--- a/Презентация.pptx
+++ b/Презентация.pptx
@@ -5,7 +5,7 @@
     <p:sldMasterId id="2147483648" r:id="rId1"/>
   </p:sldMasterIdLst>
   <p:notesMasterIdLst>
-    <p:notesMasterId r:id="rId24"/>
+    <p:notesMasterId r:id="rId27"/>
   </p:notesMasterIdLst>
   <p:sldIdLst>
     <p:sldId id="256" r:id="rId2"/>
@@ -13,23 +13,26 @@
     <p:sldId id="259" r:id="rId4"/>
     <p:sldId id="277" r:id="rId5"/>
     <p:sldId id="278" r:id="rId6"/>
-    <p:sldId id="260" r:id="rId7"/>
-    <p:sldId id="261" r:id="rId8"/>
-    <p:sldId id="262" r:id="rId9"/>
-    <p:sldId id="263" r:id="rId10"/>
-    <p:sldId id="264" r:id="rId11"/>
-    <p:sldId id="265" r:id="rId12"/>
-    <p:sldId id="266" r:id="rId13"/>
-    <p:sldId id="267" r:id="rId14"/>
-    <p:sldId id="268" r:id="rId15"/>
-    <p:sldId id="269" r:id="rId16"/>
-    <p:sldId id="270" r:id="rId17"/>
-    <p:sldId id="271" r:id="rId18"/>
-    <p:sldId id="272" r:id="rId19"/>
-    <p:sldId id="273" r:id="rId20"/>
-    <p:sldId id="274" r:id="rId21"/>
-    <p:sldId id="275" r:id="rId22"/>
-    <p:sldId id="276" r:id="rId23"/>
+    <p:sldId id="279" r:id="rId7"/>
+    <p:sldId id="281" r:id="rId8"/>
+    <p:sldId id="280" r:id="rId9"/>
+    <p:sldId id="260" r:id="rId10"/>
+    <p:sldId id="261" r:id="rId11"/>
+    <p:sldId id="262" r:id="rId12"/>
+    <p:sldId id="263" r:id="rId13"/>
+    <p:sldId id="264" r:id="rId14"/>
+    <p:sldId id="265" r:id="rId15"/>
+    <p:sldId id="266" r:id="rId16"/>
+    <p:sldId id="267" r:id="rId17"/>
+    <p:sldId id="268" r:id="rId18"/>
+    <p:sldId id="269" r:id="rId19"/>
+    <p:sldId id="270" r:id="rId20"/>
+    <p:sldId id="271" r:id="rId21"/>
+    <p:sldId id="272" r:id="rId22"/>
+    <p:sldId id="273" r:id="rId23"/>
+    <p:sldId id="274" r:id="rId24"/>
+    <p:sldId id="275" r:id="rId25"/>
+    <p:sldId id="276" r:id="rId26"/>
   </p:sldIdLst>
   <p:sldSz cx="12192000" cy="6858000"/>
   <p:notesSz cx="6858000" cy="9144000"/>
@@ -278,7 +281,7 @@
       </p15:sldGuideLst>
     </p:ext>
     <p:ext uri="http://customooxmlschemas.google.com/">
-      <go:slidesCustomData xmlns:go="http://customooxmlschemas.google.com/" xmlns:ahyp="http://schemas.microsoft.com/office/drawing/2018/hyperlinkcolor" xmlns:p15="http://schemas.microsoft.com/office/powerpoint/2012/main" xmlns:p14="http://schemas.microsoft.com/office/powerpoint/2010/main" xmlns:com="http://schemas.openxmlformats.org/drawingml/2006/compatibility" xmlns:pvml="urn:schemas-microsoft-com:office:powerpoint" xmlns:v="urn:schemas-microsoft-com:vml" xmlns:o="urn:schemas-microsoft-com:office:office" xmlns:dgm="http://schemas.openxmlformats.org/drawingml/2006/diagram" xmlns:c="http://schemas.openxmlformats.org/drawingml/2006/chart" xmlns:mv="urn:schemas-microsoft-com:mac:vml" xmlns:mc="http://schemas.openxmlformats.org/markup-compatibility/2006" xmlns="" r:id="rId28" roundtripDataSignature="AMtx7mgdJ7GPG39+sIuBD6XtJfm5jjWpBQ=="/>
+      <go:slidesCustomData xmlns="" xmlns:mc="http://schemas.openxmlformats.org/markup-compatibility/2006" xmlns:mv="urn:schemas-microsoft-com:mac:vml" xmlns:c="http://schemas.openxmlformats.org/drawingml/2006/chart" xmlns:dgm="http://schemas.openxmlformats.org/drawingml/2006/diagram" xmlns:o="urn:schemas-microsoft-com:office:office" xmlns:v="urn:schemas-microsoft-com:vml" xmlns:pvml="urn:schemas-microsoft-com:office:powerpoint" xmlns:com="http://schemas.openxmlformats.org/drawingml/2006/compatibility" xmlns:p14="http://schemas.microsoft.com/office/powerpoint/2010/main" xmlns:p15="http://schemas.microsoft.com/office/powerpoint/2012/main" xmlns:ahyp="http://schemas.microsoft.com/office/drawing/2018/hyperlinkcolor" xmlns:go="http://customooxmlschemas.google.com/" r:id="rId28" roundtripDataSignature="AMtx7mgdJ7GPG39+sIuBD6XtJfm5jjWpBQ=="/>
     </p:ext>
   </p:extLst>
 </p:presentation>
@@ -574,7 +577,6 @@
   </mc:AlternateContent>
   <c:chart>
     <c:title>
-      <c:layout/>
       <c:overlay val="0"/>
       <c:spPr>
         <a:noFill/>
@@ -772,7 +774,6 @@
     </c:plotArea>
     <c:legend>
       <c:legendPos val="b"/>
-      <c:layout/>
       <c:overlay val="0"/>
       <c:spPr>
         <a:noFill/>
@@ -851,7 +852,6 @@
   </mc:AlternateContent>
   <c:chart>
     <c:title>
-      <c:layout/>
       <c:overlay val="0"/>
       <c:spPr>
         <a:noFill/>
@@ -1049,7 +1049,6 @@
     </c:plotArea>
     <c:legend>
       <c:legendPos val="b"/>
-      <c:layout/>
       <c:overlay val="0"/>
       <c:spPr>
         <a:noFill/>
@@ -1153,7 +1152,6 @@
           </a:p>
         </c:rich>
       </c:tx>
-      <c:layout/>
       <c:overlay val="0"/>
       <c:spPr>
         <a:noFill/>
@@ -1351,7 +1349,6 @@
     </c:plotArea>
     <c:legend>
       <c:legendPos val="b"/>
-      <c:layout/>
       <c:overlay val="0"/>
       <c:spPr>
         <a:noFill/>
@@ -1430,7 +1427,6 @@
   </mc:AlternateContent>
   <c:chart>
     <c:title>
-      <c:layout/>
       <c:overlay val="0"/>
       <c:spPr>
         <a:noFill/>
@@ -1669,7 +1665,6 @@
     </c:plotArea>
     <c:legend>
       <c:legendPos val="b"/>
-      <c:layout/>
       <c:overlay val="0"/>
       <c:spPr>
         <a:noFill/>
@@ -1748,7 +1743,6 @@
   </mc:AlternateContent>
   <c:chart>
     <c:title>
-      <c:layout/>
       <c:overlay val="0"/>
       <c:spPr>
         <a:noFill/>
@@ -1987,7 +1981,6 @@
     </c:plotArea>
     <c:legend>
       <c:legendPos val="b"/>
-      <c:layout/>
       <c:overlay val="0"/>
       <c:spPr>
         <a:noFill/>
@@ -2066,7 +2059,6 @@
   </mc:AlternateContent>
   <c:chart>
     <c:title>
-      <c:layout/>
       <c:overlay val="0"/>
       <c:spPr>
         <a:noFill/>
@@ -2305,7 +2297,6 @@
     </c:plotArea>
     <c:legend>
       <c:legendPos val="b"/>
-      <c:layout/>
       <c:overlay val="0"/>
       <c:spPr>
         <a:noFill/>
@@ -2384,7 +2375,6 @@
   </mc:AlternateContent>
   <c:chart>
     <c:title>
-      <c:layout/>
       <c:overlay val="0"/>
       <c:spPr>
         <a:noFill/>
@@ -2623,7 +2613,6 @@
     </c:plotArea>
     <c:legend>
       <c:legendPos val="b"/>
-      <c:layout/>
       <c:overlay val="0"/>
       <c:spPr>
         <a:noFill/>
@@ -4875,7 +4864,6 @@
   </mc:AlternateContent>
   <c:chart>
     <c:title>
-      <c:layout/>
       <c:overlay val="0"/>
       <c:spPr>
         <a:noFill/>
@@ -5073,7 +5061,6 @@
     </c:plotArea>
     <c:legend>
       <c:legendPos val="b"/>
-      <c:layout/>
       <c:overlay val="0"/>
       <c:spPr>
         <a:noFill/>
@@ -15247,6 +15234,214 @@
   <p:cSld>
     <p:spTree>
       <p:nvGrpSpPr>
+        <p:cNvPr id="1" name="Shape 248"/>
+        <p:cNvGrpSpPr/>
+        <p:nvPr/>
+      </p:nvGrpSpPr>
+      <p:grpSpPr>
+        <a:xfrm>
+          <a:off x="0" y="0"/>
+          <a:ext cx="0" cy="0"/>
+          <a:chOff x="0" y="0"/>
+          <a:chExt cx="0" cy="0"/>
+        </a:xfrm>
+      </p:grpSpPr>
+      <p:sp>
+        <p:nvSpPr>
+          <p:cNvPr id="249" name="Google Shape;249;p6:notes"/>
+          <p:cNvSpPr txBox="1">
+            <a:spLocks noGrp="1"/>
+          </p:cNvSpPr>
+          <p:nvPr>
+            <p:ph type="body" idx="1"/>
+          </p:nvPr>
+        </p:nvSpPr>
+        <p:spPr>
+          <a:xfrm>
+            <a:off x="685800" y="4400550"/>
+            <a:ext cx="5486400" cy="3600450"/>
+          </a:xfrm>
+          <a:prstGeom prst="rect">
+            <a:avLst/>
+          </a:prstGeom>
+        </p:spPr>
+        <p:txBody>
+          <a:bodyPr spcFirstLastPara="1" wrap="square" lIns="91425" tIns="45700" rIns="91425" bIns="45700" anchor="t" anchorCtr="0">
+            <a:noAutofit/>
+          </a:bodyPr>
+          <a:lstStyle/>
+          <a:p>
+            <a:pPr marL="0" lvl="0" indent="0" algn="l" rtl="0">
+              <a:spcBef>
+                <a:spcPts val="0"/>
+              </a:spcBef>
+              <a:spcAft>
+                <a:spcPts val="0"/>
+              </a:spcAft>
+              <a:buNone/>
+            </a:pPr>
+            <a:endParaRPr/>
+          </a:p>
+        </p:txBody>
+      </p:sp>
+      <p:sp>
+        <p:nvSpPr>
+          <p:cNvPr id="250" name="Google Shape;250;p6:notes"/>
+          <p:cNvSpPr>
+            <a:spLocks noGrp="1" noRot="1" noChangeAspect="1"/>
+          </p:cNvSpPr>
+          <p:nvPr>
+            <p:ph type="sldImg" idx="2"/>
+          </p:nvPr>
+        </p:nvSpPr>
+        <p:spPr>
+          <a:xfrm>
+            <a:off x="685800" y="1143000"/>
+            <a:ext cx="5486400" cy="3086100"/>
+          </a:xfrm>
+          <a:custGeom>
+            <a:avLst/>
+            <a:gdLst/>
+            <a:ahLst/>
+            <a:cxnLst/>
+            <a:rect l="l" t="t" r="r" b="b"/>
+            <a:pathLst>
+              <a:path w="120000" h="120000" extrusionOk="0">
+                <a:moveTo>
+                  <a:pt x="0" y="0"/>
+                </a:moveTo>
+                <a:lnTo>
+                  <a:pt x="120000" y="0"/>
+                </a:lnTo>
+                <a:lnTo>
+                  <a:pt x="120000" y="120000"/>
+                </a:lnTo>
+                <a:lnTo>
+                  <a:pt x="0" y="120000"/>
+                </a:lnTo>
+                <a:close/>
+              </a:path>
+            </a:pathLst>
+          </a:custGeom>
+        </p:spPr>
+      </p:sp>
+    </p:spTree>
+  </p:cSld>
+  <p:clrMapOvr>
+    <a:masterClrMapping/>
+  </p:clrMapOvr>
+</p:notes>
+</file>
+
+<file path=ppt/notesSlides/notesSlide11.xml><?xml version="1.0" encoding="utf-8"?>
+<p:notes xmlns:a="http://schemas.openxmlformats.org/drawingml/2006/main" xmlns:r="http://schemas.openxmlformats.org/officeDocument/2006/relationships" xmlns:p="http://schemas.openxmlformats.org/presentationml/2006/main" showMasterSp="0" showMasterPhAnim="0">
+  <p:cSld>
+    <p:spTree>
+      <p:nvGrpSpPr>
+        <p:cNvPr id="1" name="Shape 258"/>
+        <p:cNvGrpSpPr/>
+        <p:nvPr/>
+      </p:nvGrpSpPr>
+      <p:grpSpPr>
+        <a:xfrm>
+          <a:off x="0" y="0"/>
+          <a:ext cx="0" cy="0"/>
+          <a:chOff x="0" y="0"/>
+          <a:chExt cx="0" cy="0"/>
+        </a:xfrm>
+      </p:grpSpPr>
+      <p:sp>
+        <p:nvSpPr>
+          <p:cNvPr id="259" name="Google Shape;259;p7:notes"/>
+          <p:cNvSpPr txBox="1">
+            <a:spLocks noGrp="1"/>
+          </p:cNvSpPr>
+          <p:nvPr>
+            <p:ph type="body" idx="1"/>
+          </p:nvPr>
+        </p:nvSpPr>
+        <p:spPr>
+          <a:xfrm>
+            <a:off x="685800" y="4400550"/>
+            <a:ext cx="5486400" cy="3600450"/>
+          </a:xfrm>
+          <a:prstGeom prst="rect">
+            <a:avLst/>
+          </a:prstGeom>
+        </p:spPr>
+        <p:txBody>
+          <a:bodyPr spcFirstLastPara="1" wrap="square" lIns="91425" tIns="45700" rIns="91425" bIns="45700" anchor="t" anchorCtr="0">
+            <a:noAutofit/>
+          </a:bodyPr>
+          <a:lstStyle/>
+          <a:p>
+            <a:pPr marL="0" lvl="0" indent="0" algn="l" rtl="0">
+              <a:spcBef>
+                <a:spcPts val="0"/>
+              </a:spcBef>
+              <a:spcAft>
+                <a:spcPts val="0"/>
+              </a:spcAft>
+              <a:buNone/>
+            </a:pPr>
+            <a:endParaRPr/>
+          </a:p>
+        </p:txBody>
+      </p:sp>
+      <p:sp>
+        <p:nvSpPr>
+          <p:cNvPr id="260" name="Google Shape;260;p7:notes"/>
+          <p:cNvSpPr>
+            <a:spLocks noGrp="1" noRot="1" noChangeAspect="1"/>
+          </p:cNvSpPr>
+          <p:nvPr>
+            <p:ph type="sldImg" idx="2"/>
+          </p:nvPr>
+        </p:nvSpPr>
+        <p:spPr>
+          <a:xfrm>
+            <a:off x="685800" y="1143000"/>
+            <a:ext cx="5486400" cy="3086100"/>
+          </a:xfrm>
+          <a:custGeom>
+            <a:avLst/>
+            <a:gdLst/>
+            <a:ahLst/>
+            <a:cxnLst/>
+            <a:rect l="l" t="t" r="r" b="b"/>
+            <a:pathLst>
+              <a:path w="120000" h="120000" extrusionOk="0">
+                <a:moveTo>
+                  <a:pt x="0" y="0"/>
+                </a:moveTo>
+                <a:lnTo>
+                  <a:pt x="120000" y="0"/>
+                </a:lnTo>
+                <a:lnTo>
+                  <a:pt x="120000" y="120000"/>
+                </a:lnTo>
+                <a:lnTo>
+                  <a:pt x="0" y="120000"/>
+                </a:lnTo>
+                <a:close/>
+              </a:path>
+            </a:pathLst>
+          </a:custGeom>
+        </p:spPr>
+      </p:sp>
+    </p:spTree>
+  </p:cSld>
+  <p:clrMapOvr>
+    <a:masterClrMapping/>
+  </p:clrMapOvr>
+</p:notes>
+</file>
+
+<file path=ppt/notesSlides/notesSlide12.xml><?xml version="1.0" encoding="utf-8"?>
+<p:notes xmlns:a="http://schemas.openxmlformats.org/drawingml/2006/main" xmlns:r="http://schemas.openxmlformats.org/officeDocument/2006/relationships" xmlns:p="http://schemas.openxmlformats.org/presentationml/2006/main" showMasterSp="0" showMasterPhAnim="0">
+  <p:cSld>
+    <p:spTree>
+      <p:nvGrpSpPr>
         <p:cNvPr id="1" name="Shape 268"/>
         <p:cNvGrpSpPr/>
         <p:nvPr/>
@@ -15346,7 +15541,7 @@
 </p:notes>
 </file>
 
-<file path=ppt/notesSlides/notesSlide11.xml><?xml version="1.0" encoding="utf-8"?>
+<file path=ppt/notesSlides/notesSlide13.xml><?xml version="1.0" encoding="utf-8"?>
 <p:notes xmlns:a="http://schemas.openxmlformats.org/drawingml/2006/main" xmlns:r="http://schemas.openxmlformats.org/officeDocument/2006/relationships" xmlns:p="http://schemas.openxmlformats.org/presentationml/2006/main" showMasterSp="0" showMasterPhAnim="0">
   <p:cSld>
     <p:spTree>
@@ -15450,7 +15645,7 @@
 </p:notes>
 </file>
 
-<file path=ppt/notesSlides/notesSlide12.xml><?xml version="1.0" encoding="utf-8"?>
+<file path=ppt/notesSlides/notesSlide14.xml><?xml version="1.0" encoding="utf-8"?>
 <p:notes xmlns:a="http://schemas.openxmlformats.org/drawingml/2006/main" xmlns:r="http://schemas.openxmlformats.org/officeDocument/2006/relationships" xmlns:p="http://schemas.openxmlformats.org/presentationml/2006/main" showMasterSp="0" showMasterPhAnim="0">
   <p:cSld>
     <p:spTree>
@@ -15554,7 +15749,7 @@
 </p:notes>
 </file>
 
-<file path=ppt/notesSlides/notesSlide13.xml><?xml version="1.0" encoding="utf-8"?>
+<file path=ppt/notesSlides/notesSlide15.xml><?xml version="1.0" encoding="utf-8"?>
 <p:notes xmlns:a="http://schemas.openxmlformats.org/drawingml/2006/main" xmlns:r="http://schemas.openxmlformats.org/officeDocument/2006/relationships" xmlns:p="http://schemas.openxmlformats.org/presentationml/2006/main" showMasterSp="0" showMasterPhAnim="0">
   <p:cSld>
     <p:spTree>
@@ -15658,7 +15853,7 @@
 </p:notes>
 </file>
 
-<file path=ppt/notesSlides/notesSlide14.xml><?xml version="1.0" encoding="utf-8"?>
+<file path=ppt/notesSlides/notesSlide16.xml><?xml version="1.0" encoding="utf-8"?>
 <p:notes xmlns:a="http://schemas.openxmlformats.org/drawingml/2006/main" xmlns:r="http://schemas.openxmlformats.org/officeDocument/2006/relationships" xmlns:p="http://schemas.openxmlformats.org/presentationml/2006/main" showMasterSp="0" showMasterPhAnim="0">
   <p:cSld>
     <p:spTree>
@@ -15762,7 +15957,7 @@
 </p:notes>
 </file>
 
-<file path=ppt/notesSlides/notesSlide15.xml><?xml version="1.0" encoding="utf-8"?>
+<file path=ppt/notesSlides/notesSlide17.xml><?xml version="1.0" encoding="utf-8"?>
 <p:notes xmlns:a="http://schemas.openxmlformats.org/drawingml/2006/main" xmlns:r="http://schemas.openxmlformats.org/officeDocument/2006/relationships" xmlns:p="http://schemas.openxmlformats.org/presentationml/2006/main" showMasterSp="0" showMasterPhAnim="0">
   <p:cSld>
     <p:spTree>
@@ -15866,7 +16061,7 @@
 </p:notes>
 </file>
 
-<file path=ppt/notesSlides/notesSlide16.xml><?xml version="1.0" encoding="utf-8"?>
+<file path=ppt/notesSlides/notesSlide18.xml><?xml version="1.0" encoding="utf-8"?>
 <p:notes xmlns:a="http://schemas.openxmlformats.org/drawingml/2006/main" xmlns:r="http://schemas.openxmlformats.org/officeDocument/2006/relationships" xmlns:p="http://schemas.openxmlformats.org/presentationml/2006/main" showMasterSp="0" showMasterPhAnim="0">
   <p:cSld>
     <p:spTree>
@@ -15970,7 +16165,7 @@
 </p:notes>
 </file>
 
-<file path=ppt/notesSlides/notesSlide17.xml><?xml version="1.0" encoding="utf-8"?>
+<file path=ppt/notesSlides/notesSlide19.xml><?xml version="1.0" encoding="utf-8"?>
 <p:notes xmlns:a="http://schemas.openxmlformats.org/drawingml/2006/main" xmlns:r="http://schemas.openxmlformats.org/officeDocument/2006/relationships" xmlns:p="http://schemas.openxmlformats.org/presentationml/2006/main" showMasterSp="0" showMasterPhAnim="0">
   <p:cSld>
     <p:spTree>
@@ -16028,214 +16223,6 @@
       <p:sp>
         <p:nvSpPr>
           <p:cNvPr id="337" name="Google Shape;337;p15:notes"/>
-          <p:cNvSpPr>
-            <a:spLocks noGrp="1" noRot="1" noChangeAspect="1"/>
-          </p:cNvSpPr>
-          <p:nvPr>
-            <p:ph type="sldImg" idx="2"/>
-          </p:nvPr>
-        </p:nvSpPr>
-        <p:spPr>
-          <a:xfrm>
-            <a:off x="685800" y="1143000"/>
-            <a:ext cx="5486400" cy="3086100"/>
-          </a:xfrm>
-          <a:custGeom>
-            <a:avLst/>
-            <a:gdLst/>
-            <a:ahLst/>
-            <a:cxnLst/>
-            <a:rect l="l" t="t" r="r" b="b"/>
-            <a:pathLst>
-              <a:path w="120000" h="120000" extrusionOk="0">
-                <a:moveTo>
-                  <a:pt x="0" y="0"/>
-                </a:moveTo>
-                <a:lnTo>
-                  <a:pt x="120000" y="0"/>
-                </a:lnTo>
-                <a:lnTo>
-                  <a:pt x="120000" y="120000"/>
-                </a:lnTo>
-                <a:lnTo>
-                  <a:pt x="0" y="120000"/>
-                </a:lnTo>
-                <a:close/>
-              </a:path>
-            </a:pathLst>
-          </a:custGeom>
-        </p:spPr>
-      </p:sp>
-    </p:spTree>
-  </p:cSld>
-  <p:clrMapOvr>
-    <a:masterClrMapping/>
-  </p:clrMapOvr>
-</p:notes>
-</file>
-
-<file path=ppt/notesSlides/notesSlide18.xml><?xml version="1.0" encoding="utf-8"?>
-<p:notes xmlns:a="http://schemas.openxmlformats.org/drawingml/2006/main" xmlns:r="http://schemas.openxmlformats.org/officeDocument/2006/relationships" xmlns:p="http://schemas.openxmlformats.org/presentationml/2006/main" showMasterSp="0" showMasterPhAnim="0">
-  <p:cSld>
-    <p:spTree>
-      <p:nvGrpSpPr>
-        <p:cNvPr id="1" name="Shape 342"/>
-        <p:cNvGrpSpPr/>
-        <p:nvPr/>
-      </p:nvGrpSpPr>
-      <p:grpSpPr>
-        <a:xfrm>
-          <a:off x="0" y="0"/>
-          <a:ext cx="0" cy="0"/>
-          <a:chOff x="0" y="0"/>
-          <a:chExt cx="0" cy="0"/>
-        </a:xfrm>
-      </p:grpSpPr>
-      <p:sp>
-        <p:nvSpPr>
-          <p:cNvPr id="343" name="Google Shape;343;p16:notes"/>
-          <p:cNvSpPr txBox="1">
-            <a:spLocks noGrp="1"/>
-          </p:cNvSpPr>
-          <p:nvPr>
-            <p:ph type="body" idx="1"/>
-          </p:nvPr>
-        </p:nvSpPr>
-        <p:spPr>
-          <a:xfrm>
-            <a:off x="685800" y="4400550"/>
-            <a:ext cx="5486400" cy="3600450"/>
-          </a:xfrm>
-          <a:prstGeom prst="rect">
-            <a:avLst/>
-          </a:prstGeom>
-        </p:spPr>
-        <p:txBody>
-          <a:bodyPr spcFirstLastPara="1" wrap="square" lIns="91425" tIns="45700" rIns="91425" bIns="45700" anchor="t" anchorCtr="0">
-            <a:noAutofit/>
-          </a:bodyPr>
-          <a:lstStyle/>
-          <a:p>
-            <a:pPr marL="0" lvl="0" indent="0" algn="l" rtl="0">
-              <a:spcBef>
-                <a:spcPts val="0"/>
-              </a:spcBef>
-              <a:spcAft>
-                <a:spcPts val="0"/>
-              </a:spcAft>
-              <a:buNone/>
-            </a:pPr>
-            <a:endParaRPr/>
-          </a:p>
-        </p:txBody>
-      </p:sp>
-      <p:sp>
-        <p:nvSpPr>
-          <p:cNvPr id="344" name="Google Shape;344;p16:notes"/>
-          <p:cNvSpPr>
-            <a:spLocks noGrp="1" noRot="1" noChangeAspect="1"/>
-          </p:cNvSpPr>
-          <p:nvPr>
-            <p:ph type="sldImg" idx="2"/>
-          </p:nvPr>
-        </p:nvSpPr>
-        <p:spPr>
-          <a:xfrm>
-            <a:off x="685800" y="1143000"/>
-            <a:ext cx="5486400" cy="3086100"/>
-          </a:xfrm>
-          <a:custGeom>
-            <a:avLst/>
-            <a:gdLst/>
-            <a:ahLst/>
-            <a:cxnLst/>
-            <a:rect l="l" t="t" r="r" b="b"/>
-            <a:pathLst>
-              <a:path w="120000" h="120000" extrusionOk="0">
-                <a:moveTo>
-                  <a:pt x="0" y="0"/>
-                </a:moveTo>
-                <a:lnTo>
-                  <a:pt x="120000" y="0"/>
-                </a:lnTo>
-                <a:lnTo>
-                  <a:pt x="120000" y="120000"/>
-                </a:lnTo>
-                <a:lnTo>
-                  <a:pt x="0" y="120000"/>
-                </a:lnTo>
-                <a:close/>
-              </a:path>
-            </a:pathLst>
-          </a:custGeom>
-        </p:spPr>
-      </p:sp>
-    </p:spTree>
-  </p:cSld>
-  <p:clrMapOvr>
-    <a:masterClrMapping/>
-  </p:clrMapOvr>
-</p:notes>
-</file>
-
-<file path=ppt/notesSlides/notesSlide19.xml><?xml version="1.0" encoding="utf-8"?>
-<p:notes xmlns:a="http://schemas.openxmlformats.org/drawingml/2006/main" xmlns:r="http://schemas.openxmlformats.org/officeDocument/2006/relationships" xmlns:p="http://schemas.openxmlformats.org/presentationml/2006/main" showMasterSp="0" showMasterPhAnim="0">
-  <p:cSld>
-    <p:spTree>
-      <p:nvGrpSpPr>
-        <p:cNvPr id="1" name="Shape 363"/>
-        <p:cNvGrpSpPr/>
-        <p:nvPr/>
-      </p:nvGrpSpPr>
-      <p:grpSpPr>
-        <a:xfrm>
-          <a:off x="0" y="0"/>
-          <a:ext cx="0" cy="0"/>
-          <a:chOff x="0" y="0"/>
-          <a:chExt cx="0" cy="0"/>
-        </a:xfrm>
-      </p:grpSpPr>
-      <p:sp>
-        <p:nvSpPr>
-          <p:cNvPr id="364" name="Google Shape;364;p17:notes"/>
-          <p:cNvSpPr txBox="1">
-            <a:spLocks noGrp="1"/>
-          </p:cNvSpPr>
-          <p:nvPr>
-            <p:ph type="body" idx="1"/>
-          </p:nvPr>
-        </p:nvSpPr>
-        <p:spPr>
-          <a:xfrm>
-            <a:off x="685800" y="4400550"/>
-            <a:ext cx="5486400" cy="3600450"/>
-          </a:xfrm>
-          <a:prstGeom prst="rect">
-            <a:avLst/>
-          </a:prstGeom>
-        </p:spPr>
-        <p:txBody>
-          <a:bodyPr spcFirstLastPara="1" wrap="square" lIns="91425" tIns="45700" rIns="91425" bIns="45700" anchor="t" anchorCtr="0">
-            <a:noAutofit/>
-          </a:bodyPr>
-          <a:lstStyle/>
-          <a:p>
-            <a:pPr marL="0" lvl="0" indent="0" algn="l" rtl="0">
-              <a:spcBef>
-                <a:spcPts val="0"/>
-              </a:spcBef>
-              <a:spcAft>
-                <a:spcPts val="0"/>
-              </a:spcAft>
-              <a:buNone/>
-            </a:pPr>
-            <a:endParaRPr/>
-          </a:p>
-        </p:txBody>
-      </p:sp>
-      <p:sp>
-        <p:nvSpPr>
-          <p:cNvPr id="365" name="Google Shape;365;p17:notes"/>
           <p:cNvSpPr>
             <a:spLocks noGrp="1" noRot="1" noChangeAspect="1"/>
           </p:cNvSpPr>
@@ -16391,6 +16378,214 @@
   <p:cSld>
     <p:spTree>
       <p:nvGrpSpPr>
+        <p:cNvPr id="1" name="Shape 342"/>
+        <p:cNvGrpSpPr/>
+        <p:nvPr/>
+      </p:nvGrpSpPr>
+      <p:grpSpPr>
+        <a:xfrm>
+          <a:off x="0" y="0"/>
+          <a:ext cx="0" cy="0"/>
+          <a:chOff x="0" y="0"/>
+          <a:chExt cx="0" cy="0"/>
+        </a:xfrm>
+      </p:grpSpPr>
+      <p:sp>
+        <p:nvSpPr>
+          <p:cNvPr id="343" name="Google Shape;343;p16:notes"/>
+          <p:cNvSpPr txBox="1">
+            <a:spLocks noGrp="1"/>
+          </p:cNvSpPr>
+          <p:nvPr>
+            <p:ph type="body" idx="1"/>
+          </p:nvPr>
+        </p:nvSpPr>
+        <p:spPr>
+          <a:xfrm>
+            <a:off x="685800" y="4400550"/>
+            <a:ext cx="5486400" cy="3600450"/>
+          </a:xfrm>
+          <a:prstGeom prst="rect">
+            <a:avLst/>
+          </a:prstGeom>
+        </p:spPr>
+        <p:txBody>
+          <a:bodyPr spcFirstLastPara="1" wrap="square" lIns="91425" tIns="45700" rIns="91425" bIns="45700" anchor="t" anchorCtr="0">
+            <a:noAutofit/>
+          </a:bodyPr>
+          <a:lstStyle/>
+          <a:p>
+            <a:pPr marL="0" lvl="0" indent="0" algn="l" rtl="0">
+              <a:spcBef>
+                <a:spcPts val="0"/>
+              </a:spcBef>
+              <a:spcAft>
+                <a:spcPts val="0"/>
+              </a:spcAft>
+              <a:buNone/>
+            </a:pPr>
+            <a:endParaRPr/>
+          </a:p>
+        </p:txBody>
+      </p:sp>
+      <p:sp>
+        <p:nvSpPr>
+          <p:cNvPr id="344" name="Google Shape;344;p16:notes"/>
+          <p:cNvSpPr>
+            <a:spLocks noGrp="1" noRot="1" noChangeAspect="1"/>
+          </p:cNvSpPr>
+          <p:nvPr>
+            <p:ph type="sldImg" idx="2"/>
+          </p:nvPr>
+        </p:nvSpPr>
+        <p:spPr>
+          <a:xfrm>
+            <a:off x="685800" y="1143000"/>
+            <a:ext cx="5486400" cy="3086100"/>
+          </a:xfrm>
+          <a:custGeom>
+            <a:avLst/>
+            <a:gdLst/>
+            <a:ahLst/>
+            <a:cxnLst/>
+            <a:rect l="l" t="t" r="r" b="b"/>
+            <a:pathLst>
+              <a:path w="120000" h="120000" extrusionOk="0">
+                <a:moveTo>
+                  <a:pt x="0" y="0"/>
+                </a:moveTo>
+                <a:lnTo>
+                  <a:pt x="120000" y="0"/>
+                </a:lnTo>
+                <a:lnTo>
+                  <a:pt x="120000" y="120000"/>
+                </a:lnTo>
+                <a:lnTo>
+                  <a:pt x="0" y="120000"/>
+                </a:lnTo>
+                <a:close/>
+              </a:path>
+            </a:pathLst>
+          </a:custGeom>
+        </p:spPr>
+      </p:sp>
+    </p:spTree>
+  </p:cSld>
+  <p:clrMapOvr>
+    <a:masterClrMapping/>
+  </p:clrMapOvr>
+</p:notes>
+</file>
+
+<file path=ppt/notesSlides/notesSlide21.xml><?xml version="1.0" encoding="utf-8"?>
+<p:notes xmlns:a="http://schemas.openxmlformats.org/drawingml/2006/main" xmlns:r="http://schemas.openxmlformats.org/officeDocument/2006/relationships" xmlns:p="http://schemas.openxmlformats.org/presentationml/2006/main" showMasterSp="0" showMasterPhAnim="0">
+  <p:cSld>
+    <p:spTree>
+      <p:nvGrpSpPr>
+        <p:cNvPr id="1" name="Shape 363"/>
+        <p:cNvGrpSpPr/>
+        <p:nvPr/>
+      </p:nvGrpSpPr>
+      <p:grpSpPr>
+        <a:xfrm>
+          <a:off x="0" y="0"/>
+          <a:ext cx="0" cy="0"/>
+          <a:chOff x="0" y="0"/>
+          <a:chExt cx="0" cy="0"/>
+        </a:xfrm>
+      </p:grpSpPr>
+      <p:sp>
+        <p:nvSpPr>
+          <p:cNvPr id="364" name="Google Shape;364;p17:notes"/>
+          <p:cNvSpPr txBox="1">
+            <a:spLocks noGrp="1"/>
+          </p:cNvSpPr>
+          <p:nvPr>
+            <p:ph type="body" idx="1"/>
+          </p:nvPr>
+        </p:nvSpPr>
+        <p:spPr>
+          <a:xfrm>
+            <a:off x="685800" y="4400550"/>
+            <a:ext cx="5486400" cy="3600450"/>
+          </a:xfrm>
+          <a:prstGeom prst="rect">
+            <a:avLst/>
+          </a:prstGeom>
+        </p:spPr>
+        <p:txBody>
+          <a:bodyPr spcFirstLastPara="1" wrap="square" lIns="91425" tIns="45700" rIns="91425" bIns="45700" anchor="t" anchorCtr="0">
+            <a:noAutofit/>
+          </a:bodyPr>
+          <a:lstStyle/>
+          <a:p>
+            <a:pPr marL="0" lvl="0" indent="0" algn="l" rtl="0">
+              <a:spcBef>
+                <a:spcPts val="0"/>
+              </a:spcBef>
+              <a:spcAft>
+                <a:spcPts val="0"/>
+              </a:spcAft>
+              <a:buNone/>
+            </a:pPr>
+            <a:endParaRPr/>
+          </a:p>
+        </p:txBody>
+      </p:sp>
+      <p:sp>
+        <p:nvSpPr>
+          <p:cNvPr id="365" name="Google Shape;365;p17:notes"/>
+          <p:cNvSpPr>
+            <a:spLocks noGrp="1" noRot="1" noChangeAspect="1"/>
+          </p:cNvSpPr>
+          <p:nvPr>
+            <p:ph type="sldImg" idx="2"/>
+          </p:nvPr>
+        </p:nvSpPr>
+        <p:spPr>
+          <a:xfrm>
+            <a:off x="685800" y="1143000"/>
+            <a:ext cx="5486400" cy="3086100"/>
+          </a:xfrm>
+          <a:custGeom>
+            <a:avLst/>
+            <a:gdLst/>
+            <a:ahLst/>
+            <a:cxnLst/>
+            <a:rect l="l" t="t" r="r" b="b"/>
+            <a:pathLst>
+              <a:path w="120000" h="120000" extrusionOk="0">
+                <a:moveTo>
+                  <a:pt x="0" y="0"/>
+                </a:moveTo>
+                <a:lnTo>
+                  <a:pt x="120000" y="0"/>
+                </a:lnTo>
+                <a:lnTo>
+                  <a:pt x="120000" y="120000"/>
+                </a:lnTo>
+                <a:lnTo>
+                  <a:pt x="0" y="120000"/>
+                </a:lnTo>
+                <a:close/>
+              </a:path>
+            </a:pathLst>
+          </a:custGeom>
+        </p:spPr>
+      </p:sp>
+    </p:spTree>
+  </p:cSld>
+  <p:clrMapOvr>
+    <a:masterClrMapping/>
+  </p:clrMapOvr>
+</p:notes>
+</file>
+
+<file path=ppt/notesSlides/notesSlide22.xml><?xml version="1.0" encoding="utf-8"?>
+<p:notes xmlns:a="http://schemas.openxmlformats.org/drawingml/2006/main" xmlns:r="http://schemas.openxmlformats.org/officeDocument/2006/relationships" xmlns:p="http://schemas.openxmlformats.org/presentationml/2006/main" showMasterSp="0" showMasterPhAnim="0">
+  <p:cSld>
+    <p:spTree>
+      <p:nvGrpSpPr>
         <p:cNvPr id="1" name="Shape 384"/>
         <p:cNvGrpSpPr/>
         <p:nvPr/>
@@ -16490,7 +16685,7 @@
 </p:notes>
 </file>
 
-<file path=ppt/notesSlides/notesSlide21.xml><?xml version="1.0" encoding="utf-8"?>
+<file path=ppt/notesSlides/notesSlide23.xml><?xml version="1.0" encoding="utf-8"?>
 <p:notes xmlns:a="http://schemas.openxmlformats.org/drawingml/2006/main" xmlns:r="http://schemas.openxmlformats.org/officeDocument/2006/relationships" xmlns:p="http://schemas.openxmlformats.org/presentationml/2006/main" showMasterSp="0" showMasterPhAnim="0">
   <p:cSld>
     <p:spTree>
@@ -16594,7 +16789,7 @@
 </p:notes>
 </file>
 
-<file path=ppt/notesSlides/notesSlide22.xml><?xml version="1.0" encoding="utf-8"?>
+<file path=ppt/notesSlides/notesSlide24.xml><?xml version="1.0" encoding="utf-8"?>
 <p:notes xmlns:a="http://schemas.openxmlformats.org/drawingml/2006/main" xmlns:r="http://schemas.openxmlformats.org/officeDocument/2006/relationships" xmlns:p="http://schemas.openxmlformats.org/presentationml/2006/main" showMasterSp="0" showMasterPhAnim="0">
   <p:cSld>
     <p:spTree>
@@ -17025,6 +17220,224 @@
   <p:cSld>
     <p:spTree>
       <p:nvGrpSpPr>
+        <p:cNvPr id="1" name="Shape 220"/>
+        <p:cNvGrpSpPr/>
+        <p:nvPr/>
+      </p:nvGrpSpPr>
+      <p:grpSpPr>
+        <a:xfrm>
+          <a:off x="0" y="0"/>
+          <a:ext cx="0" cy="0"/>
+          <a:chOff x="0" y="0"/>
+          <a:chExt cx="0" cy="0"/>
+        </a:xfrm>
+      </p:grpSpPr>
+      <p:sp>
+        <p:nvSpPr>
+          <p:cNvPr id="221" name="Google Shape;221;p3:notes"/>
+          <p:cNvSpPr txBox="1">
+            <a:spLocks noGrp="1"/>
+          </p:cNvSpPr>
+          <p:nvPr>
+            <p:ph type="body" idx="1"/>
+          </p:nvPr>
+        </p:nvSpPr>
+        <p:spPr>
+          <a:xfrm>
+            <a:off x="685800" y="4400550"/>
+            <a:ext cx="5486400" cy="3600450"/>
+          </a:xfrm>
+          <a:prstGeom prst="rect">
+            <a:avLst/>
+          </a:prstGeom>
+        </p:spPr>
+        <p:txBody>
+          <a:bodyPr spcFirstLastPara="1" wrap="square" lIns="91425" tIns="45700" rIns="91425" bIns="45700" anchor="t" anchorCtr="0">
+            <a:noAutofit/>
+          </a:bodyPr>
+          <a:lstStyle/>
+          <a:p>
+            <a:pPr marL="0" lvl="0" indent="0" algn="l" rtl="0">
+              <a:spcBef>
+                <a:spcPts val="0"/>
+              </a:spcBef>
+              <a:spcAft>
+                <a:spcPts val="0"/>
+              </a:spcAft>
+              <a:buNone/>
+            </a:pPr>
+            <a:endParaRPr/>
+          </a:p>
+        </p:txBody>
+      </p:sp>
+      <p:sp>
+        <p:nvSpPr>
+          <p:cNvPr id="222" name="Google Shape;222;p3:notes"/>
+          <p:cNvSpPr>
+            <a:spLocks noGrp="1" noRot="1" noChangeAspect="1"/>
+          </p:cNvSpPr>
+          <p:nvPr>
+            <p:ph type="sldImg" idx="2"/>
+          </p:nvPr>
+        </p:nvSpPr>
+        <p:spPr>
+          <a:xfrm>
+            <a:off x="685800" y="1143000"/>
+            <a:ext cx="5486400" cy="3086100"/>
+          </a:xfrm>
+          <a:custGeom>
+            <a:avLst/>
+            <a:gdLst/>
+            <a:ahLst/>
+            <a:cxnLst/>
+            <a:rect l="l" t="t" r="r" b="b"/>
+            <a:pathLst>
+              <a:path w="120000" h="120000" extrusionOk="0">
+                <a:moveTo>
+                  <a:pt x="0" y="0"/>
+                </a:moveTo>
+                <a:lnTo>
+                  <a:pt x="120000" y="0"/>
+                </a:lnTo>
+                <a:lnTo>
+                  <a:pt x="120000" y="120000"/>
+                </a:lnTo>
+                <a:lnTo>
+                  <a:pt x="0" y="120000"/>
+                </a:lnTo>
+                <a:close/>
+              </a:path>
+            </a:pathLst>
+          </a:custGeom>
+        </p:spPr>
+      </p:sp>
+    </p:spTree>
+    <p:extLst>
+      <p:ext uri="{BB962C8B-B14F-4D97-AF65-F5344CB8AC3E}">
+        <p14:creationId xmlns:p14="http://schemas.microsoft.com/office/powerpoint/2010/main" val="2957055275"/>
+      </p:ext>
+    </p:extLst>
+  </p:cSld>
+  <p:clrMapOvr>
+    <a:masterClrMapping/>
+  </p:clrMapOvr>
+</p:notes>
+</file>
+
+<file path=ppt/notesSlides/notesSlide7.xml><?xml version="1.0" encoding="utf-8"?>
+<p:notes xmlns:a="http://schemas.openxmlformats.org/drawingml/2006/main" xmlns:r="http://schemas.openxmlformats.org/officeDocument/2006/relationships" xmlns:p="http://schemas.openxmlformats.org/presentationml/2006/main" showMasterSp="0" showMasterPhAnim="0">
+  <p:cSld>
+    <p:spTree>
+      <p:nvGrpSpPr>
+        <p:cNvPr id="1" name="Shape 220"/>
+        <p:cNvGrpSpPr/>
+        <p:nvPr/>
+      </p:nvGrpSpPr>
+      <p:grpSpPr>
+        <a:xfrm>
+          <a:off x="0" y="0"/>
+          <a:ext cx="0" cy="0"/>
+          <a:chOff x="0" y="0"/>
+          <a:chExt cx="0" cy="0"/>
+        </a:xfrm>
+      </p:grpSpPr>
+      <p:sp>
+        <p:nvSpPr>
+          <p:cNvPr id="221" name="Google Shape;221;p3:notes"/>
+          <p:cNvSpPr txBox="1">
+            <a:spLocks noGrp="1"/>
+          </p:cNvSpPr>
+          <p:nvPr>
+            <p:ph type="body" idx="1"/>
+          </p:nvPr>
+        </p:nvSpPr>
+        <p:spPr>
+          <a:xfrm>
+            <a:off x="685800" y="4400550"/>
+            <a:ext cx="5486400" cy="3600450"/>
+          </a:xfrm>
+          <a:prstGeom prst="rect">
+            <a:avLst/>
+          </a:prstGeom>
+        </p:spPr>
+        <p:txBody>
+          <a:bodyPr spcFirstLastPara="1" wrap="square" lIns="91425" tIns="45700" rIns="91425" bIns="45700" anchor="t" anchorCtr="0">
+            <a:noAutofit/>
+          </a:bodyPr>
+          <a:lstStyle/>
+          <a:p>
+            <a:pPr marL="0" lvl="0" indent="0" algn="l" rtl="0">
+              <a:spcBef>
+                <a:spcPts val="0"/>
+              </a:spcBef>
+              <a:spcAft>
+                <a:spcPts val="0"/>
+              </a:spcAft>
+              <a:buNone/>
+            </a:pPr>
+            <a:endParaRPr/>
+          </a:p>
+        </p:txBody>
+      </p:sp>
+      <p:sp>
+        <p:nvSpPr>
+          <p:cNvPr id="222" name="Google Shape;222;p3:notes"/>
+          <p:cNvSpPr>
+            <a:spLocks noGrp="1" noRot="1" noChangeAspect="1"/>
+          </p:cNvSpPr>
+          <p:nvPr>
+            <p:ph type="sldImg" idx="2"/>
+          </p:nvPr>
+        </p:nvSpPr>
+        <p:spPr>
+          <a:xfrm>
+            <a:off x="685800" y="1143000"/>
+            <a:ext cx="5486400" cy="3086100"/>
+          </a:xfrm>
+          <a:custGeom>
+            <a:avLst/>
+            <a:gdLst/>
+            <a:ahLst/>
+            <a:cxnLst/>
+            <a:rect l="l" t="t" r="r" b="b"/>
+            <a:pathLst>
+              <a:path w="120000" h="120000" extrusionOk="0">
+                <a:moveTo>
+                  <a:pt x="0" y="0"/>
+                </a:moveTo>
+                <a:lnTo>
+                  <a:pt x="120000" y="0"/>
+                </a:lnTo>
+                <a:lnTo>
+                  <a:pt x="120000" y="120000"/>
+                </a:lnTo>
+                <a:lnTo>
+                  <a:pt x="0" y="120000"/>
+                </a:lnTo>
+                <a:close/>
+              </a:path>
+            </a:pathLst>
+          </a:custGeom>
+        </p:spPr>
+      </p:sp>
+    </p:spTree>
+    <p:extLst>
+      <p:ext uri="{BB962C8B-B14F-4D97-AF65-F5344CB8AC3E}">
+        <p14:creationId xmlns:p14="http://schemas.microsoft.com/office/powerpoint/2010/main" val="3710258423"/>
+      </p:ext>
+    </p:extLst>
+  </p:cSld>
+  <p:clrMapOvr>
+    <a:masterClrMapping/>
+  </p:clrMapOvr>
+</p:notes>
+</file>
+
+<file path=ppt/notesSlides/notesSlide8.xml><?xml version="1.0" encoding="utf-8"?>
+<p:notes xmlns:a="http://schemas.openxmlformats.org/drawingml/2006/main" xmlns:r="http://schemas.openxmlformats.org/officeDocument/2006/relationships" xmlns:p="http://schemas.openxmlformats.org/presentationml/2006/main" showMasterSp="0" showMasterPhAnim="0">
+  <p:cSld>
+    <p:spTree>
+      <p:nvGrpSpPr>
         <p:cNvPr id="1" name="Shape 228"/>
         <p:cNvGrpSpPr/>
         <p:nvPr/>
@@ -17124,7 +17537,7 @@
 </p:notes>
 </file>
 
-<file path=ppt/notesSlides/notesSlide7.xml><?xml version="1.0" encoding="utf-8"?>
+<file path=ppt/notesSlides/notesSlide9.xml><?xml version="1.0" encoding="utf-8"?>
 <p:notes xmlns:a="http://schemas.openxmlformats.org/drawingml/2006/main" xmlns:r="http://schemas.openxmlformats.org/officeDocument/2006/relationships" xmlns:p="http://schemas.openxmlformats.org/presentationml/2006/main" showMasterSp="0" showMasterPhAnim="0">
   <p:cSld>
     <p:spTree>
@@ -17182,214 +17595,6 @@
       <p:sp>
         <p:nvSpPr>
           <p:cNvPr id="240" name="Google Shape;240;p5:notes"/>
-          <p:cNvSpPr>
-            <a:spLocks noGrp="1" noRot="1" noChangeAspect="1"/>
-          </p:cNvSpPr>
-          <p:nvPr>
-            <p:ph type="sldImg" idx="2"/>
-          </p:nvPr>
-        </p:nvSpPr>
-        <p:spPr>
-          <a:xfrm>
-            <a:off x="685800" y="1143000"/>
-            <a:ext cx="5486400" cy="3086100"/>
-          </a:xfrm>
-          <a:custGeom>
-            <a:avLst/>
-            <a:gdLst/>
-            <a:ahLst/>
-            <a:cxnLst/>
-            <a:rect l="l" t="t" r="r" b="b"/>
-            <a:pathLst>
-              <a:path w="120000" h="120000" extrusionOk="0">
-                <a:moveTo>
-                  <a:pt x="0" y="0"/>
-                </a:moveTo>
-                <a:lnTo>
-                  <a:pt x="120000" y="0"/>
-                </a:lnTo>
-                <a:lnTo>
-                  <a:pt x="120000" y="120000"/>
-                </a:lnTo>
-                <a:lnTo>
-                  <a:pt x="0" y="120000"/>
-                </a:lnTo>
-                <a:close/>
-              </a:path>
-            </a:pathLst>
-          </a:custGeom>
-        </p:spPr>
-      </p:sp>
-    </p:spTree>
-  </p:cSld>
-  <p:clrMapOvr>
-    <a:masterClrMapping/>
-  </p:clrMapOvr>
-</p:notes>
-</file>
-
-<file path=ppt/notesSlides/notesSlide8.xml><?xml version="1.0" encoding="utf-8"?>
-<p:notes xmlns:a="http://schemas.openxmlformats.org/drawingml/2006/main" xmlns:r="http://schemas.openxmlformats.org/officeDocument/2006/relationships" xmlns:p="http://schemas.openxmlformats.org/presentationml/2006/main" showMasterSp="0" showMasterPhAnim="0">
-  <p:cSld>
-    <p:spTree>
-      <p:nvGrpSpPr>
-        <p:cNvPr id="1" name="Shape 248"/>
-        <p:cNvGrpSpPr/>
-        <p:nvPr/>
-      </p:nvGrpSpPr>
-      <p:grpSpPr>
-        <a:xfrm>
-          <a:off x="0" y="0"/>
-          <a:ext cx="0" cy="0"/>
-          <a:chOff x="0" y="0"/>
-          <a:chExt cx="0" cy="0"/>
-        </a:xfrm>
-      </p:grpSpPr>
-      <p:sp>
-        <p:nvSpPr>
-          <p:cNvPr id="249" name="Google Shape;249;p6:notes"/>
-          <p:cNvSpPr txBox="1">
-            <a:spLocks noGrp="1"/>
-          </p:cNvSpPr>
-          <p:nvPr>
-            <p:ph type="body" idx="1"/>
-          </p:nvPr>
-        </p:nvSpPr>
-        <p:spPr>
-          <a:xfrm>
-            <a:off x="685800" y="4400550"/>
-            <a:ext cx="5486400" cy="3600450"/>
-          </a:xfrm>
-          <a:prstGeom prst="rect">
-            <a:avLst/>
-          </a:prstGeom>
-        </p:spPr>
-        <p:txBody>
-          <a:bodyPr spcFirstLastPara="1" wrap="square" lIns="91425" tIns="45700" rIns="91425" bIns="45700" anchor="t" anchorCtr="0">
-            <a:noAutofit/>
-          </a:bodyPr>
-          <a:lstStyle/>
-          <a:p>
-            <a:pPr marL="0" lvl="0" indent="0" algn="l" rtl="0">
-              <a:spcBef>
-                <a:spcPts val="0"/>
-              </a:spcBef>
-              <a:spcAft>
-                <a:spcPts val="0"/>
-              </a:spcAft>
-              <a:buNone/>
-            </a:pPr>
-            <a:endParaRPr/>
-          </a:p>
-        </p:txBody>
-      </p:sp>
-      <p:sp>
-        <p:nvSpPr>
-          <p:cNvPr id="250" name="Google Shape;250;p6:notes"/>
-          <p:cNvSpPr>
-            <a:spLocks noGrp="1" noRot="1" noChangeAspect="1"/>
-          </p:cNvSpPr>
-          <p:nvPr>
-            <p:ph type="sldImg" idx="2"/>
-          </p:nvPr>
-        </p:nvSpPr>
-        <p:spPr>
-          <a:xfrm>
-            <a:off x="685800" y="1143000"/>
-            <a:ext cx="5486400" cy="3086100"/>
-          </a:xfrm>
-          <a:custGeom>
-            <a:avLst/>
-            <a:gdLst/>
-            <a:ahLst/>
-            <a:cxnLst/>
-            <a:rect l="l" t="t" r="r" b="b"/>
-            <a:pathLst>
-              <a:path w="120000" h="120000" extrusionOk="0">
-                <a:moveTo>
-                  <a:pt x="0" y="0"/>
-                </a:moveTo>
-                <a:lnTo>
-                  <a:pt x="120000" y="0"/>
-                </a:lnTo>
-                <a:lnTo>
-                  <a:pt x="120000" y="120000"/>
-                </a:lnTo>
-                <a:lnTo>
-                  <a:pt x="0" y="120000"/>
-                </a:lnTo>
-                <a:close/>
-              </a:path>
-            </a:pathLst>
-          </a:custGeom>
-        </p:spPr>
-      </p:sp>
-    </p:spTree>
-  </p:cSld>
-  <p:clrMapOvr>
-    <a:masterClrMapping/>
-  </p:clrMapOvr>
-</p:notes>
-</file>
-
-<file path=ppt/notesSlides/notesSlide9.xml><?xml version="1.0" encoding="utf-8"?>
-<p:notes xmlns:a="http://schemas.openxmlformats.org/drawingml/2006/main" xmlns:r="http://schemas.openxmlformats.org/officeDocument/2006/relationships" xmlns:p="http://schemas.openxmlformats.org/presentationml/2006/main" showMasterSp="0" showMasterPhAnim="0">
-  <p:cSld>
-    <p:spTree>
-      <p:nvGrpSpPr>
-        <p:cNvPr id="1" name="Shape 258"/>
-        <p:cNvGrpSpPr/>
-        <p:nvPr/>
-      </p:nvGrpSpPr>
-      <p:grpSpPr>
-        <a:xfrm>
-          <a:off x="0" y="0"/>
-          <a:ext cx="0" cy="0"/>
-          <a:chOff x="0" y="0"/>
-          <a:chExt cx="0" cy="0"/>
-        </a:xfrm>
-      </p:grpSpPr>
-      <p:sp>
-        <p:nvSpPr>
-          <p:cNvPr id="259" name="Google Shape;259;p7:notes"/>
-          <p:cNvSpPr txBox="1">
-            <a:spLocks noGrp="1"/>
-          </p:cNvSpPr>
-          <p:nvPr>
-            <p:ph type="body" idx="1"/>
-          </p:nvPr>
-        </p:nvSpPr>
-        <p:spPr>
-          <a:xfrm>
-            <a:off x="685800" y="4400550"/>
-            <a:ext cx="5486400" cy="3600450"/>
-          </a:xfrm>
-          <a:prstGeom prst="rect">
-            <a:avLst/>
-          </a:prstGeom>
-        </p:spPr>
-        <p:txBody>
-          <a:bodyPr spcFirstLastPara="1" wrap="square" lIns="91425" tIns="45700" rIns="91425" bIns="45700" anchor="t" anchorCtr="0">
-            <a:noAutofit/>
-          </a:bodyPr>
-          <a:lstStyle/>
-          <a:p>
-            <a:pPr marL="0" lvl="0" indent="0" algn="l" rtl="0">
-              <a:spcBef>
-                <a:spcPts val="0"/>
-              </a:spcBef>
-              <a:spcAft>
-                <a:spcPts val="0"/>
-              </a:spcAft>
-              <a:buNone/>
-            </a:pPr>
-            <a:endParaRPr/>
-          </a:p>
-        </p:txBody>
-      </p:sp>
-      <p:sp>
-        <p:nvSpPr>
-          <p:cNvPr id="260" name="Google Shape;260;p7:notes"/>
           <p:cNvSpPr>
             <a:spLocks noGrp="1" noRot="1" noChangeAspect="1"/>
           </p:cNvSpPr>
@@ -43704,6 +43909,1049 @@
   <p:cSld>
     <p:spTree>
       <p:nvGrpSpPr>
+        <p:cNvPr id="1" name="Shape 241"/>
+        <p:cNvGrpSpPr/>
+        <p:nvPr/>
+      </p:nvGrpSpPr>
+      <p:grpSpPr>
+        <a:xfrm>
+          <a:off x="0" y="0"/>
+          <a:ext cx="0" cy="0"/>
+          <a:chOff x="0" y="0"/>
+          <a:chExt cx="0" cy="0"/>
+        </a:xfrm>
+      </p:grpSpPr>
+      <p:sp>
+        <p:nvSpPr>
+          <p:cNvPr id="242" name="Google Shape;242;p5"/>
+          <p:cNvSpPr>
+            <a:spLocks noGrp="1"/>
+          </p:cNvSpPr>
+          <p:nvPr>
+            <p:ph type="pic" idx="2"/>
+          </p:nvPr>
+        </p:nvSpPr>
+        <p:spPr>
+          <a:xfrm>
+            <a:off x="6703634" y="0"/>
+            <a:ext cx="5488365" cy="6857999"/>
+          </a:xfrm>
+          <a:prstGeom prst="rect">
+            <a:avLst/>
+          </a:prstGeom>
+          <a:noFill/>
+          <a:ln>
+            <a:noFill/>
+          </a:ln>
+        </p:spPr>
+        <p:txBody>
+          <a:bodyPr spcFirstLastPara="1" wrap="square" lIns="91425" tIns="45700" rIns="91425" bIns="45700" anchor="t" anchorCtr="0">
+            <a:noAutofit/>
+          </a:bodyPr>
+          <a:lstStyle/>
+          <a:p>
+            <a:pPr marL="0" lvl="0" indent="0" algn="l" rtl="0">
+              <a:spcBef>
+                <a:spcPts val="1000"/>
+              </a:spcBef>
+              <a:spcAft>
+                <a:spcPts val="0"/>
+              </a:spcAft>
+              <a:buNone/>
+            </a:pPr>
+            <a:endParaRPr/>
+          </a:p>
+        </p:txBody>
+      </p:sp>
+      <p:sp>
+        <p:nvSpPr>
+          <p:cNvPr id="243" name="Google Shape;243;p5"/>
+          <p:cNvSpPr txBox="1">
+            <a:spLocks noGrp="1"/>
+          </p:cNvSpPr>
+          <p:nvPr>
+            <p:ph type="ctrTitle"/>
+          </p:nvPr>
+        </p:nvSpPr>
+        <p:spPr>
+          <a:xfrm>
+            <a:off x="620489" y="628956"/>
+            <a:ext cx="5748194" cy="589424"/>
+          </a:xfrm>
+          <a:prstGeom prst="rect">
+            <a:avLst/>
+          </a:prstGeom>
+          <a:noFill/>
+          <a:ln>
+            <a:noFill/>
+          </a:ln>
+        </p:spPr>
+        <p:txBody>
+          <a:bodyPr spcFirstLastPara="1" wrap="square" lIns="91425" tIns="45700" rIns="91425" bIns="45700" anchor="t" anchorCtr="0">
+            <a:normAutofit/>
+          </a:bodyPr>
+          <a:lstStyle/>
+          <a:p>
+            <a:pPr marL="0" lvl="0" indent="0" algn="l" rtl="0">
+              <a:lnSpc>
+                <a:spcPct val="90000"/>
+              </a:lnSpc>
+              <a:spcBef>
+                <a:spcPts val="0"/>
+              </a:spcBef>
+              <a:spcAft>
+                <a:spcPts val="0"/>
+              </a:spcAft>
+              <a:buClr>
+                <a:srgbClr val="80BC00"/>
+              </a:buClr>
+              <a:buSzPts val="3600"/>
+              <a:buFont typeface="Calibri"/>
+              <a:buNone/>
+            </a:pPr>
+            <a:endParaRPr b="1">
+              <a:solidFill>
+                <a:srgbClr val="80BC00"/>
+              </a:solidFill>
+              <a:latin typeface="Calibri"/>
+              <a:ea typeface="Calibri"/>
+              <a:cs typeface="Calibri"/>
+              <a:sym typeface="Calibri"/>
+            </a:endParaRPr>
+          </a:p>
+        </p:txBody>
+      </p:sp>
+      <p:sp>
+        <p:nvSpPr>
+          <p:cNvPr id="244" name="Google Shape;244;p5"/>
+          <p:cNvSpPr txBox="1">
+            <a:spLocks noGrp="1"/>
+          </p:cNvSpPr>
+          <p:nvPr>
+            <p:ph type="body" idx="1"/>
+          </p:nvPr>
+        </p:nvSpPr>
+        <p:spPr>
+          <a:xfrm>
+            <a:off x="620487" y="4700455"/>
+            <a:ext cx="5748196" cy="1230170"/>
+          </a:xfrm>
+          <a:prstGeom prst="rect">
+            <a:avLst/>
+          </a:prstGeom>
+          <a:noFill/>
+          <a:ln>
+            <a:noFill/>
+          </a:ln>
+        </p:spPr>
+        <p:txBody>
+          <a:bodyPr spcFirstLastPara="1" wrap="square" lIns="91425" tIns="45700" rIns="91425" bIns="45700" anchor="t" anchorCtr="0">
+            <a:noAutofit/>
+          </a:bodyPr>
+          <a:lstStyle/>
+          <a:p>
+            <a:pPr marL="228600" lvl="0" indent="-114300" algn="l" rtl="0">
+              <a:lnSpc>
+                <a:spcPct val="90000"/>
+              </a:lnSpc>
+              <a:spcBef>
+                <a:spcPts val="0"/>
+              </a:spcBef>
+              <a:spcAft>
+                <a:spcPts val="0"/>
+              </a:spcAft>
+              <a:buClr>
+                <a:srgbClr val="80BC00"/>
+              </a:buClr>
+              <a:buSzPts val="1800"/>
+              <a:buNone/>
+            </a:pPr>
+            <a:endParaRPr>
+              <a:latin typeface="Calibri"/>
+              <a:ea typeface="Calibri"/>
+              <a:cs typeface="Calibri"/>
+              <a:sym typeface="Calibri"/>
+            </a:endParaRPr>
+          </a:p>
+        </p:txBody>
+      </p:sp>
+      <p:sp>
+        <p:nvSpPr>
+          <p:cNvPr id="245" name="Google Shape;245;p5"/>
+          <p:cNvSpPr txBox="1">
+            <a:spLocks noGrp="1"/>
+          </p:cNvSpPr>
+          <p:nvPr>
+            <p:ph type="body" idx="3"/>
+          </p:nvPr>
+        </p:nvSpPr>
+        <p:spPr>
+          <a:xfrm>
+            <a:off x="620490" y="3305175"/>
+            <a:ext cx="5748168" cy="1085850"/>
+          </a:xfrm>
+          <a:prstGeom prst="rect">
+            <a:avLst/>
+          </a:prstGeom>
+          <a:noFill/>
+          <a:ln>
+            <a:noFill/>
+          </a:ln>
+        </p:spPr>
+        <p:txBody>
+          <a:bodyPr spcFirstLastPara="1" wrap="square" lIns="91425" tIns="45700" rIns="91425" bIns="45700" anchor="t" anchorCtr="0">
+            <a:normAutofit/>
+          </a:bodyPr>
+          <a:lstStyle/>
+          <a:p>
+            <a:pPr marL="0" marR="0" lvl="0" indent="0" algn="l" rtl="0">
+              <a:lnSpc>
+                <a:spcPct val="90000"/>
+              </a:lnSpc>
+              <a:spcBef>
+                <a:spcPts val="0"/>
+              </a:spcBef>
+              <a:spcAft>
+                <a:spcPts val="0"/>
+              </a:spcAft>
+              <a:buClr>
+                <a:schemeClr val="dk1"/>
+              </a:buClr>
+              <a:buSzPts val="1800"/>
+              <a:buFont typeface="Arial"/>
+              <a:buNone/>
+            </a:pPr>
+            <a:endParaRPr>
+              <a:latin typeface="Calibri"/>
+              <a:ea typeface="Calibri"/>
+              <a:cs typeface="Calibri"/>
+              <a:sym typeface="Calibri"/>
+            </a:endParaRPr>
+          </a:p>
+        </p:txBody>
+      </p:sp>
+      <p:sp>
+        <p:nvSpPr>
+          <p:cNvPr id="246" name="Google Shape;246;p5"/>
+          <p:cNvSpPr txBox="1">
+            <a:spLocks noGrp="1"/>
+          </p:cNvSpPr>
+          <p:nvPr>
+            <p:ph type="sldNum" idx="12"/>
+          </p:nvPr>
+        </p:nvSpPr>
+        <p:spPr>
+          <a:xfrm>
+            <a:off x="10668000" y="6356350"/>
+            <a:ext cx="685800" cy="365125"/>
+          </a:xfrm>
+          <a:prstGeom prst="rect">
+            <a:avLst/>
+          </a:prstGeom>
+          <a:noFill/>
+          <a:ln>
+            <a:noFill/>
+          </a:ln>
+        </p:spPr>
+        <p:txBody>
+          <a:bodyPr spcFirstLastPara="1" wrap="square" lIns="91425" tIns="45700" rIns="91425" bIns="45700" anchor="ctr" anchorCtr="0">
+            <a:noAutofit/>
+          </a:bodyPr>
+          <a:lstStyle/>
+          <a:p>
+            <a:pPr marL="0" lvl="0" indent="0" algn="r" rtl="0">
+              <a:spcBef>
+                <a:spcPts val="0"/>
+              </a:spcBef>
+              <a:spcAft>
+                <a:spcPts val="0"/>
+              </a:spcAft>
+              <a:buNone/>
+            </a:pPr>
+            <a:endParaRPr/>
+          </a:p>
+        </p:txBody>
+      </p:sp>
+      <p:sp>
+        <p:nvSpPr>
+          <p:cNvPr id="247" name="Google Shape;247;p5"/>
+          <p:cNvSpPr txBox="1"/>
+          <p:nvPr/>
+        </p:nvSpPr>
+        <p:spPr>
+          <a:xfrm>
+            <a:off x="620489" y="1940341"/>
+            <a:ext cx="6968865" cy="928125"/>
+          </a:xfrm>
+          <a:prstGeom prst="rect">
+            <a:avLst/>
+          </a:prstGeom>
+          <a:noFill/>
+          <a:ln>
+            <a:noFill/>
+          </a:ln>
+        </p:spPr>
+        <p:txBody>
+          <a:bodyPr spcFirstLastPara="1" wrap="square" lIns="91425" tIns="45700" rIns="91425" bIns="45700" anchor="t" anchorCtr="0">
+            <a:noAutofit/>
+          </a:bodyPr>
+          <a:lstStyle/>
+          <a:p>
+            <a:pPr marL="0" marR="0" lvl="0" indent="0" algn="l" rtl="0">
+              <a:lnSpc>
+                <a:spcPct val="90000"/>
+              </a:lnSpc>
+              <a:spcBef>
+                <a:spcPts val="0"/>
+              </a:spcBef>
+              <a:spcAft>
+                <a:spcPts val="0"/>
+              </a:spcAft>
+              <a:buClr>
+                <a:schemeClr val="lt1"/>
+              </a:buClr>
+              <a:buSzPts val="1800"/>
+              <a:buFont typeface="Calibri"/>
+              <a:buNone/>
+            </a:pPr>
+            <a:r>
+              <a:rPr lang="ru-RU" sz="1800">
+                <a:solidFill>
+                  <a:schemeClr val="lt1"/>
+                </a:solidFill>
+                <a:latin typeface="Calibri"/>
+                <a:ea typeface="Calibri"/>
+                <a:cs typeface="Calibri"/>
+                <a:sym typeface="Calibri"/>
+              </a:rPr>
+              <a:t>Важные тезисы, которые стоит подчеркнуть. Рекомендуется</a:t>
+            </a:r>
+            <a:br>
+              <a:rPr lang="ru-RU" sz="1800">
+                <a:solidFill>
+                  <a:schemeClr val="lt1"/>
+                </a:solidFill>
+                <a:latin typeface="Calibri"/>
+                <a:ea typeface="Calibri"/>
+                <a:cs typeface="Calibri"/>
+                <a:sym typeface="Calibri"/>
+              </a:rPr>
+            </a:br>
+            <a:r>
+              <a:rPr lang="ru-RU" sz="1800">
+                <a:solidFill>
+                  <a:schemeClr val="lt1"/>
+                </a:solidFill>
+                <a:latin typeface="Calibri"/>
+                <a:ea typeface="Calibri"/>
+                <a:cs typeface="Calibri"/>
+                <a:sym typeface="Calibri"/>
+              </a:rPr>
+              <a:t>не более 2 — 3 предложений. Плашку можно увеличивать</a:t>
+            </a:r>
+            <a:br>
+              <a:rPr lang="ru-RU" sz="1800">
+                <a:solidFill>
+                  <a:schemeClr val="lt1"/>
+                </a:solidFill>
+                <a:latin typeface="Calibri"/>
+                <a:ea typeface="Calibri"/>
+                <a:cs typeface="Calibri"/>
+                <a:sym typeface="Calibri"/>
+              </a:rPr>
+            </a:br>
+            <a:r>
+              <a:rPr lang="ru-RU" sz="1800">
+                <a:solidFill>
+                  <a:schemeClr val="lt1"/>
+                </a:solidFill>
+                <a:latin typeface="Calibri"/>
+                <a:ea typeface="Calibri"/>
+                <a:cs typeface="Calibri"/>
+                <a:sym typeface="Calibri"/>
+              </a:rPr>
+              <a:t>в зависимости от количества используемого текста.</a:t>
+            </a:r>
+            <a:endParaRPr/>
+          </a:p>
+        </p:txBody>
+      </p:sp>
+    </p:spTree>
+  </p:cSld>
+  <p:clrMapOvr>
+    <a:masterClrMapping/>
+  </p:clrMapOvr>
+</p:sld>
+</file>
+
+<file path=ppt/slides/slide11.xml><?xml version="1.0" encoding="utf-8"?>
+<p:sld xmlns:a="http://schemas.openxmlformats.org/drawingml/2006/main" xmlns:r="http://schemas.openxmlformats.org/officeDocument/2006/relationships" xmlns:p="http://schemas.openxmlformats.org/presentationml/2006/main">
+  <p:cSld>
+    <p:spTree>
+      <p:nvGrpSpPr>
+        <p:cNvPr id="1" name="Shape 251"/>
+        <p:cNvGrpSpPr/>
+        <p:nvPr/>
+      </p:nvGrpSpPr>
+      <p:grpSpPr>
+        <a:xfrm>
+          <a:off x="0" y="0"/>
+          <a:ext cx="0" cy="0"/>
+          <a:chOff x="0" y="0"/>
+          <a:chExt cx="0" cy="0"/>
+        </a:xfrm>
+      </p:grpSpPr>
+      <p:sp>
+        <p:nvSpPr>
+          <p:cNvPr id="252" name="Google Shape;252;p6"/>
+          <p:cNvSpPr txBox="1">
+            <a:spLocks noGrp="1"/>
+          </p:cNvSpPr>
+          <p:nvPr>
+            <p:ph type="ctrTitle"/>
+          </p:nvPr>
+        </p:nvSpPr>
+        <p:spPr>
+          <a:xfrm>
+            <a:off x="620489" y="628956"/>
+            <a:ext cx="7948354" cy="589424"/>
+          </a:xfrm>
+          <a:prstGeom prst="rect">
+            <a:avLst/>
+          </a:prstGeom>
+          <a:noFill/>
+          <a:ln>
+            <a:noFill/>
+          </a:ln>
+        </p:spPr>
+        <p:txBody>
+          <a:bodyPr spcFirstLastPara="1" wrap="square" lIns="91425" tIns="45700" rIns="91425" bIns="45700" anchor="t" anchorCtr="0">
+            <a:normAutofit/>
+          </a:bodyPr>
+          <a:lstStyle/>
+          <a:p>
+            <a:pPr marL="0" lvl="0" indent="0" algn="l" rtl="0">
+              <a:lnSpc>
+                <a:spcPct val="90000"/>
+              </a:lnSpc>
+              <a:spcBef>
+                <a:spcPts val="0"/>
+              </a:spcBef>
+              <a:spcAft>
+                <a:spcPts val="0"/>
+              </a:spcAft>
+              <a:buClr>
+                <a:srgbClr val="80BC00"/>
+              </a:buClr>
+              <a:buSzPts val="3600"/>
+              <a:buFont typeface="Calibri"/>
+              <a:buNone/>
+            </a:pPr>
+            <a:endParaRPr b="1">
+              <a:latin typeface="Calibri"/>
+              <a:ea typeface="Calibri"/>
+              <a:cs typeface="Calibri"/>
+              <a:sym typeface="Calibri"/>
+            </a:endParaRPr>
+          </a:p>
+        </p:txBody>
+      </p:sp>
+      <p:sp>
+        <p:nvSpPr>
+          <p:cNvPr id="253" name="Google Shape;253;p6"/>
+          <p:cNvSpPr>
+            <a:spLocks noGrp="1"/>
+          </p:cNvSpPr>
+          <p:nvPr>
+            <p:ph type="pic" idx="2"/>
+          </p:nvPr>
+        </p:nvSpPr>
+        <p:spPr>
+          <a:xfrm>
+            <a:off x="6734628" y="1948079"/>
+            <a:ext cx="4836881" cy="3982547"/>
+          </a:xfrm>
+          <a:prstGeom prst="rect">
+            <a:avLst/>
+          </a:prstGeom>
+          <a:noFill/>
+          <a:ln>
+            <a:noFill/>
+          </a:ln>
+        </p:spPr>
+        <p:txBody>
+          <a:bodyPr spcFirstLastPara="1" wrap="square" lIns="91425" tIns="45700" rIns="91425" bIns="45700" anchor="t" anchorCtr="0">
+            <a:noAutofit/>
+          </a:bodyPr>
+          <a:lstStyle/>
+          <a:p>
+            <a:pPr marL="0" lvl="0" indent="0" algn="l" rtl="0">
+              <a:spcBef>
+                <a:spcPts val="1000"/>
+              </a:spcBef>
+              <a:spcAft>
+                <a:spcPts val="0"/>
+              </a:spcAft>
+              <a:buNone/>
+            </a:pPr>
+            <a:endParaRPr/>
+          </a:p>
+        </p:txBody>
+      </p:sp>
+      <p:sp>
+        <p:nvSpPr>
+          <p:cNvPr id="254" name="Google Shape;254;p6"/>
+          <p:cNvSpPr txBox="1">
+            <a:spLocks noGrp="1"/>
+          </p:cNvSpPr>
+          <p:nvPr>
+            <p:ph type="body" idx="1"/>
+          </p:nvPr>
+        </p:nvSpPr>
+        <p:spPr>
+          <a:xfrm>
+            <a:off x="620489" y="3981796"/>
+            <a:ext cx="5703916" cy="1948829"/>
+          </a:xfrm>
+          <a:prstGeom prst="rect">
+            <a:avLst/>
+          </a:prstGeom>
+          <a:noFill/>
+          <a:ln>
+            <a:noFill/>
+          </a:ln>
+        </p:spPr>
+        <p:txBody>
+          <a:bodyPr spcFirstLastPara="1" wrap="square" lIns="91425" tIns="45700" rIns="91425" bIns="45700" anchor="t" anchorCtr="0">
+            <a:noAutofit/>
+          </a:bodyPr>
+          <a:lstStyle/>
+          <a:p>
+            <a:pPr marL="228600" lvl="0" indent="-114300" algn="l" rtl="0">
+              <a:lnSpc>
+                <a:spcPct val="90000"/>
+              </a:lnSpc>
+              <a:spcBef>
+                <a:spcPts val="0"/>
+              </a:spcBef>
+              <a:spcAft>
+                <a:spcPts val="0"/>
+              </a:spcAft>
+              <a:buClr>
+                <a:srgbClr val="80BC00"/>
+              </a:buClr>
+              <a:buSzPts val="1800"/>
+              <a:buFont typeface="Noto Sans Symbols"/>
+              <a:buNone/>
+            </a:pPr>
+            <a:endParaRPr>
+              <a:latin typeface="Calibri"/>
+              <a:ea typeface="Calibri"/>
+              <a:cs typeface="Calibri"/>
+              <a:sym typeface="Calibri"/>
+            </a:endParaRPr>
+          </a:p>
+        </p:txBody>
+      </p:sp>
+      <p:sp>
+        <p:nvSpPr>
+          <p:cNvPr id="255" name="Google Shape;255;p6"/>
+          <p:cNvSpPr txBox="1">
+            <a:spLocks noGrp="1"/>
+          </p:cNvSpPr>
+          <p:nvPr>
+            <p:ph type="body" idx="3"/>
+          </p:nvPr>
+        </p:nvSpPr>
+        <p:spPr>
+          <a:xfrm>
+            <a:off x="620490" y="2602640"/>
+            <a:ext cx="5703888" cy="1085850"/>
+          </a:xfrm>
+          <a:prstGeom prst="rect">
+            <a:avLst/>
+          </a:prstGeom>
+          <a:noFill/>
+          <a:ln>
+            <a:noFill/>
+          </a:ln>
+        </p:spPr>
+        <p:txBody>
+          <a:bodyPr spcFirstLastPara="1" wrap="square" lIns="91425" tIns="45700" rIns="91425" bIns="45700" anchor="t" anchorCtr="0">
+            <a:normAutofit/>
+          </a:bodyPr>
+          <a:lstStyle/>
+          <a:p>
+            <a:pPr marL="0" marR="0" lvl="0" indent="0" algn="l" rtl="0">
+              <a:lnSpc>
+                <a:spcPct val="90000"/>
+              </a:lnSpc>
+              <a:spcBef>
+                <a:spcPts val="0"/>
+              </a:spcBef>
+              <a:spcAft>
+                <a:spcPts val="0"/>
+              </a:spcAft>
+              <a:buClr>
+                <a:schemeClr val="dk1"/>
+              </a:buClr>
+              <a:buSzPts val="1800"/>
+              <a:buFont typeface="Arial"/>
+              <a:buNone/>
+            </a:pPr>
+            <a:endParaRPr>
+              <a:latin typeface="Calibri"/>
+              <a:ea typeface="Calibri"/>
+              <a:cs typeface="Calibri"/>
+              <a:sym typeface="Calibri"/>
+            </a:endParaRPr>
+          </a:p>
+        </p:txBody>
+      </p:sp>
+      <p:sp>
+        <p:nvSpPr>
+          <p:cNvPr id="256" name="Google Shape;256;p6"/>
+          <p:cNvSpPr txBox="1">
+            <a:spLocks noGrp="1"/>
+          </p:cNvSpPr>
+          <p:nvPr>
+            <p:ph type="body" idx="4"/>
+          </p:nvPr>
+        </p:nvSpPr>
+        <p:spPr>
+          <a:xfrm>
+            <a:off x="620490" y="1379425"/>
+            <a:ext cx="5703888" cy="1085850"/>
+          </a:xfrm>
+          <a:prstGeom prst="rect">
+            <a:avLst/>
+          </a:prstGeom>
+          <a:noFill/>
+          <a:ln>
+            <a:noFill/>
+          </a:ln>
+        </p:spPr>
+        <p:txBody>
+          <a:bodyPr spcFirstLastPara="1" wrap="square" lIns="91425" tIns="45700" rIns="91425" bIns="45700" anchor="t" anchorCtr="0">
+            <a:normAutofit/>
+          </a:bodyPr>
+          <a:lstStyle/>
+          <a:p>
+            <a:pPr marL="0" marR="0" lvl="0" indent="0" algn="l" rtl="0">
+              <a:lnSpc>
+                <a:spcPct val="90000"/>
+              </a:lnSpc>
+              <a:spcBef>
+                <a:spcPts val="0"/>
+              </a:spcBef>
+              <a:spcAft>
+                <a:spcPts val="0"/>
+              </a:spcAft>
+              <a:buClr>
+                <a:srgbClr val="80BC00"/>
+              </a:buClr>
+              <a:buSzPts val="2000"/>
+              <a:buFont typeface="Arial"/>
+              <a:buNone/>
+            </a:pPr>
+            <a:endParaRPr>
+              <a:latin typeface="Calibri"/>
+              <a:ea typeface="Calibri"/>
+              <a:cs typeface="Calibri"/>
+              <a:sym typeface="Calibri"/>
+            </a:endParaRPr>
+          </a:p>
+        </p:txBody>
+      </p:sp>
+      <p:sp>
+        <p:nvSpPr>
+          <p:cNvPr id="257" name="Google Shape;257;p6"/>
+          <p:cNvSpPr txBox="1">
+            <a:spLocks noGrp="1"/>
+          </p:cNvSpPr>
+          <p:nvPr>
+            <p:ph type="sldNum" idx="12"/>
+          </p:nvPr>
+        </p:nvSpPr>
+        <p:spPr>
+          <a:xfrm>
+            <a:off x="10668000" y="6356350"/>
+            <a:ext cx="685800" cy="365125"/>
+          </a:xfrm>
+          <a:prstGeom prst="rect">
+            <a:avLst/>
+          </a:prstGeom>
+          <a:noFill/>
+          <a:ln>
+            <a:noFill/>
+          </a:ln>
+        </p:spPr>
+        <p:txBody>
+          <a:bodyPr spcFirstLastPara="1" wrap="square" lIns="91425" tIns="45700" rIns="91425" bIns="45700" anchor="ctr" anchorCtr="0">
+            <a:noAutofit/>
+          </a:bodyPr>
+          <a:lstStyle/>
+          <a:p>
+            <a:pPr marL="0" lvl="0" indent="0" algn="r" rtl="0">
+              <a:spcBef>
+                <a:spcPts val="0"/>
+              </a:spcBef>
+              <a:spcAft>
+                <a:spcPts val="0"/>
+              </a:spcAft>
+              <a:buNone/>
+            </a:pPr>
+            <a:endParaRPr/>
+          </a:p>
+        </p:txBody>
+      </p:sp>
+    </p:spTree>
+  </p:cSld>
+  <p:clrMapOvr>
+    <a:masterClrMapping/>
+  </p:clrMapOvr>
+</p:sld>
+</file>
+
+<file path=ppt/slides/slide12.xml><?xml version="1.0" encoding="utf-8"?>
+<p:sld xmlns:a="http://schemas.openxmlformats.org/drawingml/2006/main" xmlns:r="http://schemas.openxmlformats.org/officeDocument/2006/relationships" xmlns:p="http://schemas.openxmlformats.org/presentationml/2006/main">
+  <p:cSld>
+    <p:spTree>
+      <p:nvGrpSpPr>
+        <p:cNvPr id="1" name="Shape 261"/>
+        <p:cNvGrpSpPr/>
+        <p:nvPr/>
+      </p:nvGrpSpPr>
+      <p:grpSpPr>
+        <a:xfrm>
+          <a:off x="0" y="0"/>
+          <a:ext cx="0" cy="0"/>
+          <a:chOff x="0" y="0"/>
+          <a:chExt cx="0" cy="0"/>
+        </a:xfrm>
+      </p:grpSpPr>
+      <p:sp>
+        <p:nvSpPr>
+          <p:cNvPr id="262" name="Google Shape;262;p7"/>
+          <p:cNvSpPr txBox="1">
+            <a:spLocks noGrp="1"/>
+          </p:cNvSpPr>
+          <p:nvPr>
+            <p:ph type="ctrTitle"/>
+          </p:nvPr>
+        </p:nvSpPr>
+        <p:spPr>
+          <a:xfrm>
+            <a:off x="620489" y="628956"/>
+            <a:ext cx="7948354" cy="589424"/>
+          </a:xfrm>
+          <a:prstGeom prst="rect">
+            <a:avLst/>
+          </a:prstGeom>
+          <a:noFill/>
+          <a:ln>
+            <a:noFill/>
+          </a:ln>
+        </p:spPr>
+        <p:txBody>
+          <a:bodyPr spcFirstLastPara="1" wrap="square" lIns="91425" tIns="45700" rIns="91425" bIns="45700" anchor="t" anchorCtr="0">
+            <a:normAutofit/>
+          </a:bodyPr>
+          <a:lstStyle/>
+          <a:p>
+            <a:pPr marL="0" lvl="0" indent="0" algn="l" rtl="0">
+              <a:lnSpc>
+                <a:spcPct val="90000"/>
+              </a:lnSpc>
+              <a:spcBef>
+                <a:spcPts val="0"/>
+              </a:spcBef>
+              <a:spcAft>
+                <a:spcPts val="0"/>
+              </a:spcAft>
+              <a:buClr>
+                <a:srgbClr val="80BC00"/>
+              </a:buClr>
+              <a:buSzPts val="3600"/>
+              <a:buFont typeface="Calibri"/>
+              <a:buNone/>
+            </a:pPr>
+            <a:endParaRPr b="1">
+              <a:solidFill>
+                <a:srgbClr val="80BC00"/>
+              </a:solidFill>
+              <a:latin typeface="Calibri"/>
+              <a:ea typeface="Calibri"/>
+              <a:cs typeface="Calibri"/>
+              <a:sym typeface="Calibri"/>
+            </a:endParaRPr>
+          </a:p>
+        </p:txBody>
+      </p:sp>
+      <p:sp>
+        <p:nvSpPr>
+          <p:cNvPr id="263" name="Google Shape;263;p7"/>
+          <p:cNvSpPr>
+            <a:spLocks noGrp="1"/>
+          </p:cNvSpPr>
+          <p:nvPr>
+            <p:ph type="pic" idx="2"/>
+          </p:nvPr>
+        </p:nvSpPr>
+        <p:spPr>
+          <a:xfrm>
+            <a:off x="6734628" y="1948079"/>
+            <a:ext cx="4836881" cy="3982547"/>
+          </a:xfrm>
+          <a:prstGeom prst="rect">
+            <a:avLst/>
+          </a:prstGeom>
+          <a:noFill/>
+          <a:ln>
+            <a:noFill/>
+          </a:ln>
+        </p:spPr>
+        <p:txBody>
+          <a:bodyPr spcFirstLastPara="1" wrap="square" lIns="91425" tIns="45700" rIns="91425" bIns="45700" anchor="t" anchorCtr="0">
+            <a:noAutofit/>
+          </a:bodyPr>
+          <a:lstStyle/>
+          <a:p>
+            <a:pPr marL="0" lvl="0" indent="0" algn="l" rtl="0">
+              <a:spcBef>
+                <a:spcPts val="1000"/>
+              </a:spcBef>
+              <a:spcAft>
+                <a:spcPts val="0"/>
+              </a:spcAft>
+              <a:buNone/>
+            </a:pPr>
+            <a:endParaRPr/>
+          </a:p>
+        </p:txBody>
+      </p:sp>
+      <p:sp>
+        <p:nvSpPr>
+          <p:cNvPr id="264" name="Google Shape;264;p7"/>
+          <p:cNvSpPr txBox="1">
+            <a:spLocks noGrp="1"/>
+          </p:cNvSpPr>
+          <p:nvPr>
+            <p:ph type="body" idx="1"/>
+          </p:nvPr>
+        </p:nvSpPr>
+        <p:spPr>
+          <a:xfrm>
+            <a:off x="620489" y="3981796"/>
+            <a:ext cx="5703916" cy="1948829"/>
+          </a:xfrm>
+          <a:prstGeom prst="rect">
+            <a:avLst/>
+          </a:prstGeom>
+          <a:noFill/>
+          <a:ln>
+            <a:noFill/>
+          </a:ln>
+        </p:spPr>
+        <p:txBody>
+          <a:bodyPr spcFirstLastPara="1" wrap="square" lIns="91425" tIns="45700" rIns="91425" bIns="45700" anchor="t" anchorCtr="0">
+            <a:noAutofit/>
+          </a:bodyPr>
+          <a:lstStyle/>
+          <a:p>
+            <a:pPr marL="228600" lvl="0" indent="-114300" algn="l" rtl="0">
+              <a:lnSpc>
+                <a:spcPct val="90000"/>
+              </a:lnSpc>
+              <a:spcBef>
+                <a:spcPts val="0"/>
+              </a:spcBef>
+              <a:spcAft>
+                <a:spcPts val="0"/>
+              </a:spcAft>
+              <a:buClr>
+                <a:srgbClr val="80BC00"/>
+              </a:buClr>
+              <a:buSzPts val="1800"/>
+              <a:buNone/>
+            </a:pPr>
+            <a:endParaRPr>
+              <a:latin typeface="Calibri"/>
+              <a:ea typeface="Calibri"/>
+              <a:cs typeface="Calibri"/>
+              <a:sym typeface="Calibri"/>
+            </a:endParaRPr>
+          </a:p>
+        </p:txBody>
+      </p:sp>
+      <p:sp>
+        <p:nvSpPr>
+          <p:cNvPr id="265" name="Google Shape;265;p7"/>
+          <p:cNvSpPr txBox="1">
+            <a:spLocks noGrp="1"/>
+          </p:cNvSpPr>
+          <p:nvPr>
+            <p:ph type="body" idx="3"/>
+          </p:nvPr>
+        </p:nvSpPr>
+        <p:spPr>
+          <a:xfrm>
+            <a:off x="620490" y="2602640"/>
+            <a:ext cx="5703888" cy="1085850"/>
+          </a:xfrm>
+          <a:prstGeom prst="rect">
+            <a:avLst/>
+          </a:prstGeom>
+          <a:noFill/>
+          <a:ln>
+            <a:noFill/>
+          </a:ln>
+        </p:spPr>
+        <p:txBody>
+          <a:bodyPr spcFirstLastPara="1" wrap="square" lIns="91425" tIns="45700" rIns="91425" bIns="45700" anchor="t" anchorCtr="0">
+            <a:normAutofit/>
+          </a:bodyPr>
+          <a:lstStyle/>
+          <a:p>
+            <a:pPr marL="0" marR="0" lvl="0" indent="0" algn="l" rtl="0">
+              <a:lnSpc>
+                <a:spcPct val="90000"/>
+              </a:lnSpc>
+              <a:spcBef>
+                <a:spcPts val="0"/>
+              </a:spcBef>
+              <a:spcAft>
+                <a:spcPts val="0"/>
+              </a:spcAft>
+              <a:buClr>
+                <a:schemeClr val="dk1"/>
+              </a:buClr>
+              <a:buSzPts val="1800"/>
+              <a:buFont typeface="Arial"/>
+              <a:buNone/>
+            </a:pPr>
+            <a:endParaRPr>
+              <a:latin typeface="Calibri"/>
+              <a:ea typeface="Calibri"/>
+              <a:cs typeface="Calibri"/>
+              <a:sym typeface="Calibri"/>
+            </a:endParaRPr>
+          </a:p>
+        </p:txBody>
+      </p:sp>
+      <p:sp>
+        <p:nvSpPr>
+          <p:cNvPr id="266" name="Google Shape;266;p7"/>
+          <p:cNvSpPr txBox="1">
+            <a:spLocks noGrp="1"/>
+          </p:cNvSpPr>
+          <p:nvPr>
+            <p:ph type="body" idx="4"/>
+          </p:nvPr>
+        </p:nvSpPr>
+        <p:spPr>
+          <a:xfrm>
+            <a:off x="620490" y="1379425"/>
+            <a:ext cx="5703888" cy="1085850"/>
+          </a:xfrm>
+          <a:prstGeom prst="rect">
+            <a:avLst/>
+          </a:prstGeom>
+          <a:noFill/>
+          <a:ln>
+            <a:noFill/>
+          </a:ln>
+        </p:spPr>
+        <p:txBody>
+          <a:bodyPr spcFirstLastPara="1" wrap="square" lIns="91425" tIns="45700" rIns="91425" bIns="45700" anchor="t" anchorCtr="0">
+            <a:normAutofit/>
+          </a:bodyPr>
+          <a:lstStyle/>
+          <a:p>
+            <a:pPr marL="0" marR="0" lvl="0" indent="0" algn="l" rtl="0">
+              <a:lnSpc>
+                <a:spcPct val="90000"/>
+              </a:lnSpc>
+              <a:spcBef>
+                <a:spcPts val="0"/>
+              </a:spcBef>
+              <a:spcAft>
+                <a:spcPts val="0"/>
+              </a:spcAft>
+              <a:buClr>
+                <a:srgbClr val="80BC00"/>
+              </a:buClr>
+              <a:buSzPts val="2000"/>
+              <a:buFont typeface="Arial"/>
+              <a:buNone/>
+            </a:pPr>
+            <a:endParaRPr>
+              <a:solidFill>
+                <a:srgbClr val="80BC00"/>
+              </a:solidFill>
+              <a:latin typeface="Calibri"/>
+              <a:ea typeface="Calibri"/>
+              <a:cs typeface="Calibri"/>
+              <a:sym typeface="Calibri"/>
+            </a:endParaRPr>
+          </a:p>
+        </p:txBody>
+      </p:sp>
+      <p:sp>
+        <p:nvSpPr>
+          <p:cNvPr id="267" name="Google Shape;267;p7"/>
+          <p:cNvSpPr txBox="1">
+            <a:spLocks noGrp="1"/>
+          </p:cNvSpPr>
+          <p:nvPr>
+            <p:ph type="sldNum" idx="12"/>
+          </p:nvPr>
+        </p:nvSpPr>
+        <p:spPr>
+          <a:xfrm>
+            <a:off x="10668000" y="6356350"/>
+            <a:ext cx="685800" cy="365125"/>
+          </a:xfrm>
+          <a:prstGeom prst="rect">
+            <a:avLst/>
+          </a:prstGeom>
+          <a:noFill/>
+          <a:ln>
+            <a:noFill/>
+          </a:ln>
+        </p:spPr>
+        <p:txBody>
+          <a:bodyPr spcFirstLastPara="1" wrap="square" lIns="91425" tIns="45700" rIns="91425" bIns="45700" anchor="ctr" anchorCtr="0">
+            <a:noAutofit/>
+          </a:bodyPr>
+          <a:lstStyle/>
+          <a:p>
+            <a:pPr marL="0" lvl="0" indent="0" algn="r" rtl="0">
+              <a:spcBef>
+                <a:spcPts val="0"/>
+              </a:spcBef>
+              <a:spcAft>
+                <a:spcPts val="0"/>
+              </a:spcAft>
+              <a:buNone/>
+            </a:pPr>
+            <a:endParaRPr/>
+          </a:p>
+        </p:txBody>
+      </p:sp>
+    </p:spTree>
+  </p:cSld>
+  <p:clrMapOvr>
+    <a:masterClrMapping/>
+  </p:clrMapOvr>
+</p:sld>
+</file>
+
+<file path=ppt/slides/slide13.xml><?xml version="1.0" encoding="utf-8"?>
+<p:sld xmlns:a="http://schemas.openxmlformats.org/drawingml/2006/main" xmlns:r="http://schemas.openxmlformats.org/officeDocument/2006/relationships" xmlns:p="http://schemas.openxmlformats.org/presentationml/2006/main">
+  <p:cSld>
+    <p:spTree>
+      <p:nvGrpSpPr>
         <p:cNvPr id="1" name="Shape 271"/>
         <p:cNvGrpSpPr/>
         <p:nvPr/>
@@ -44125,7 +45373,7 @@
 </p:sld>
 </file>
 
-<file path=ppt/slides/slide11.xml><?xml version="1.0" encoding="utf-8"?>
+<file path=ppt/slides/slide14.xml><?xml version="1.0" encoding="utf-8"?>
 <p:sld xmlns:a="http://schemas.openxmlformats.org/drawingml/2006/main" xmlns:r="http://schemas.openxmlformats.org/officeDocument/2006/relationships" xmlns:p="http://schemas.openxmlformats.org/presentationml/2006/main">
   <p:cSld>
     <p:spTree>
@@ -44552,7 +45800,7 @@
 </p:sld>
 </file>
 
-<file path=ppt/slides/slide12.xml><?xml version="1.0" encoding="utf-8"?>
+<file path=ppt/slides/slide15.xml><?xml version="1.0" encoding="utf-8"?>
 <p:sld xmlns:a="http://schemas.openxmlformats.org/drawingml/2006/main" xmlns:r="http://schemas.openxmlformats.org/officeDocument/2006/relationships" xmlns:p="http://schemas.openxmlformats.org/presentationml/2006/main">
   <p:cSld>
     <p:spTree>
@@ -44796,7 +46044,7 @@
 </p:sld>
 </file>
 
-<file path=ppt/slides/slide13.xml><?xml version="1.0" encoding="utf-8"?>
+<file path=ppt/slides/slide16.xml><?xml version="1.0" encoding="utf-8"?>
 <p:sld xmlns:a="http://schemas.openxmlformats.org/drawingml/2006/main" xmlns:r="http://schemas.openxmlformats.org/officeDocument/2006/relationships" xmlns:p="http://schemas.openxmlformats.org/presentationml/2006/main">
   <p:cSld>
     <p:spTree>
@@ -45040,7 +46288,7 @@
 </p:sld>
 </file>
 
-<file path=ppt/slides/slide14.xml><?xml version="1.0" encoding="utf-8"?>
+<file path=ppt/slides/slide17.xml><?xml version="1.0" encoding="utf-8"?>
 <p:sld xmlns:a="http://schemas.openxmlformats.org/drawingml/2006/main" xmlns:r="http://schemas.openxmlformats.org/officeDocument/2006/relationships" xmlns:p="http://schemas.openxmlformats.org/presentationml/2006/main">
   <p:cSld>
     <p:spTree>
@@ -45284,7 +46532,7 @@
 </p:sld>
 </file>
 
-<file path=ppt/slides/slide15.xml><?xml version="1.0" encoding="utf-8"?>
+<file path=ppt/slides/slide18.xml><?xml version="1.0" encoding="utf-8"?>
 <p:sld xmlns:a="http://schemas.openxmlformats.org/drawingml/2006/main" xmlns:r="http://schemas.openxmlformats.org/officeDocument/2006/relationships" xmlns:p="http://schemas.openxmlformats.org/presentationml/2006/main">
   <p:cSld>
     <p:spTree>
@@ -45528,7 +46776,7 @@
 </p:sld>
 </file>
 
-<file path=ppt/slides/slide16.xml><?xml version="1.0" encoding="utf-8"?>
+<file path=ppt/slides/slide19.xml><?xml version="1.0" encoding="utf-8"?>
 <p:sld xmlns:a="http://schemas.openxmlformats.org/drawingml/2006/main" xmlns:r="http://schemas.openxmlformats.org/officeDocument/2006/relationships" xmlns:p="http://schemas.openxmlformats.org/presentationml/2006/main">
   <p:cSld>
     <p:spTree>
@@ -48986,7 +50234,281 @@
 </p:sld>
 </file>
 
-<file path=ppt/slides/slide17.xml><?xml version="1.0" encoding="utf-8"?>
+<file path=ppt/slides/slide2.xml><?xml version="1.0" encoding="utf-8"?>
+<p:sld xmlns:a="http://schemas.openxmlformats.org/drawingml/2006/main" xmlns:r="http://schemas.openxmlformats.org/officeDocument/2006/relationships" xmlns:p="http://schemas.openxmlformats.org/presentationml/2006/main">
+  <p:cSld>
+    <p:bg>
+      <p:bgPr>
+        <a:solidFill>
+          <a:srgbClr val="80BC00"/>
+        </a:solidFill>
+        <a:effectLst/>
+      </p:bgPr>
+    </p:bg>
+    <p:spTree>
+      <p:nvGrpSpPr>
+        <p:cNvPr id="1" name="Shape 218"/>
+        <p:cNvGrpSpPr/>
+        <p:nvPr/>
+      </p:nvGrpSpPr>
+      <p:grpSpPr>
+        <a:xfrm>
+          <a:off x="0" y="0"/>
+          <a:ext cx="0" cy="0"/>
+          <a:chOff x="0" y="0"/>
+          <a:chExt cx="0" cy="0"/>
+        </a:xfrm>
+      </p:grpSpPr>
+      <p:sp>
+        <p:nvSpPr>
+          <p:cNvPr id="219" name="Google Shape;219;p2"/>
+          <p:cNvSpPr txBox="1">
+            <a:spLocks noGrp="1"/>
+          </p:cNvSpPr>
+          <p:nvPr>
+            <p:ph type="title"/>
+          </p:nvPr>
+        </p:nvSpPr>
+        <p:spPr>
+          <a:xfrm>
+            <a:off x="619814" y="899821"/>
+            <a:ext cx="11254134" cy="5447969"/>
+          </a:xfrm>
+          <a:prstGeom prst="rect">
+            <a:avLst/>
+          </a:prstGeom>
+          <a:noFill/>
+          <a:ln>
+            <a:noFill/>
+          </a:ln>
+        </p:spPr>
+        <p:txBody>
+          <a:bodyPr spcFirstLastPara="1" wrap="square" lIns="91425" tIns="45700" rIns="91425" bIns="45700" anchor="t" anchorCtr="0">
+            <a:normAutofit/>
+          </a:bodyPr>
+          <a:lstStyle/>
+          <a:p>
+            <a:pPr lvl="0">
+              <a:buSzPts val="2800"/>
+            </a:pPr>
+            <a:r>
+              <a:rPr lang="ru-RU" sz="2800" b="1" dirty="0">
+                <a:latin typeface="Calibri"/>
+                <a:ea typeface="Calibri"/>
+                <a:cs typeface="Calibri"/>
+                <a:sym typeface="Calibri"/>
+              </a:rPr>
+              <a:t>Цель: </a:t>
+            </a:r>
+            <a:r>
+              <a:rPr lang="ru-RU" sz="2800" b="1" dirty="0" smtClean="0">
+                <a:latin typeface="Calibri"/>
+                <a:ea typeface="Calibri"/>
+                <a:cs typeface="Calibri"/>
+                <a:sym typeface="Calibri"/>
+              </a:rPr>
+              <a:t>Определить </a:t>
+            </a:r>
+            <a:r>
+              <a:rPr lang="ru-RU" sz="2800" b="1" dirty="0"/>
+              <a:t>Какое будет общее количество случаев заболевания на миллион в период с 5 апреля 2021 года по 5 ноября 2021 года</a:t>
+            </a:r>
+            <a:br>
+              <a:rPr lang="ru-RU" sz="2800" b="1" dirty="0"/>
+            </a:br>
+            <a:r>
+              <a:rPr lang="ru-RU" sz="2800" dirty="0">
+                <a:latin typeface="Calibri"/>
+                <a:ea typeface="Calibri"/>
+                <a:cs typeface="Calibri"/>
+                <a:sym typeface="Calibri"/>
+              </a:rPr>
+              <a:t/>
+            </a:r>
+            <a:br>
+              <a:rPr lang="ru-RU" sz="2800" dirty="0">
+                <a:latin typeface="Calibri"/>
+                <a:ea typeface="Calibri"/>
+                <a:cs typeface="Calibri"/>
+                <a:sym typeface="Calibri"/>
+              </a:rPr>
+            </a:br>
+            <a:r>
+              <a:rPr lang="ru-RU" sz="2800" b="1" dirty="0">
+                <a:latin typeface="Calibri"/>
+                <a:ea typeface="Calibri"/>
+                <a:cs typeface="Calibri"/>
+                <a:sym typeface="Calibri"/>
+              </a:rPr>
+              <a:t>Задачи  в рамках сессий: </a:t>
+            </a:r>
+            <a:br>
+              <a:rPr lang="ru-RU" sz="2800" b="1" dirty="0">
+                <a:latin typeface="Calibri"/>
+                <a:ea typeface="Calibri"/>
+                <a:cs typeface="Calibri"/>
+                <a:sym typeface="Calibri"/>
+              </a:rPr>
+            </a:br>
+            <a:r>
+              <a:rPr lang="ru-RU" sz="2800" dirty="0">
+                <a:latin typeface="Calibri"/>
+                <a:ea typeface="Calibri"/>
+                <a:cs typeface="Calibri"/>
+                <a:sym typeface="Calibri"/>
+              </a:rPr>
+              <a:t/>
+            </a:r>
+            <a:br>
+              <a:rPr lang="ru-RU" sz="2800" dirty="0">
+                <a:latin typeface="Calibri"/>
+                <a:ea typeface="Calibri"/>
+                <a:cs typeface="Calibri"/>
+                <a:sym typeface="Calibri"/>
+              </a:rPr>
+            </a:br>
+            <a:r>
+              <a:rPr lang="ru-RU" sz="2800" dirty="0">
+                <a:latin typeface="Calibri"/>
+                <a:ea typeface="Calibri"/>
+                <a:cs typeface="Calibri"/>
+                <a:sym typeface="Calibri"/>
+              </a:rPr>
+              <a:t>- </a:t>
+            </a:r>
+            <a:r>
+              <a:rPr lang="ru-RU" sz="2800" dirty="0" smtClean="0">
+                <a:latin typeface="Calibri"/>
+                <a:ea typeface="Calibri"/>
+                <a:cs typeface="Calibri"/>
+                <a:sym typeface="Calibri"/>
+              </a:rPr>
+              <a:t>определить значимый тренд по заболевшим;</a:t>
+            </a:r>
+            <a:r>
+              <a:rPr lang="ru-RU" sz="2800" dirty="0">
+                <a:latin typeface="Calibri"/>
+                <a:ea typeface="Calibri"/>
+                <a:cs typeface="Calibri"/>
+                <a:sym typeface="Calibri"/>
+              </a:rPr>
+              <a:t/>
+            </a:r>
+            <a:br>
+              <a:rPr lang="ru-RU" sz="2800" dirty="0">
+                <a:latin typeface="Calibri"/>
+                <a:ea typeface="Calibri"/>
+                <a:cs typeface="Calibri"/>
+                <a:sym typeface="Calibri"/>
+              </a:rPr>
+            </a:br>
+            <a:r>
+              <a:rPr lang="ru-RU" sz="2800" dirty="0">
+                <a:latin typeface="Calibri"/>
+                <a:ea typeface="Calibri"/>
+                <a:cs typeface="Calibri"/>
+                <a:sym typeface="Calibri"/>
+              </a:rPr>
+              <a:t>- </a:t>
+            </a:r>
+            <a:r>
+              <a:rPr lang="ru-RU" sz="2800" dirty="0" smtClean="0">
+                <a:latin typeface="Calibri"/>
+                <a:ea typeface="Calibri"/>
+                <a:cs typeface="Calibri"/>
+                <a:sym typeface="Calibri"/>
+              </a:rPr>
+              <a:t>выяснить, важна ли сезонность при появлении новых заболевших; </a:t>
+            </a:r>
+            <a:br>
+              <a:rPr lang="ru-RU" sz="2800" dirty="0" smtClean="0">
+                <a:latin typeface="Calibri"/>
+                <a:ea typeface="Calibri"/>
+                <a:cs typeface="Calibri"/>
+                <a:sym typeface="Calibri"/>
+              </a:rPr>
+            </a:br>
+            <a:r>
+              <a:rPr lang="ru-RU" sz="2800" dirty="0" smtClean="0"/>
+              <a:t>- определить выбросы данных</a:t>
+            </a:r>
+            <a:r>
+              <a:rPr lang="ru-RU" sz="2800" dirty="0" smtClean="0"/>
+              <a:t>;</a:t>
+            </a:r>
+            <a:br>
+              <a:rPr lang="ru-RU" sz="2800" dirty="0" smtClean="0"/>
+            </a:br>
+            <a:r>
+              <a:rPr lang="ru-RU" sz="2800" dirty="0" smtClean="0"/>
+              <a:t>- Выбрать </a:t>
+            </a:r>
+            <a:r>
+              <a:rPr lang="ru-RU" sz="2800" dirty="0"/>
+              <a:t>и </a:t>
+            </a:r>
+            <a:r>
+              <a:rPr lang="ru-RU" sz="2800" dirty="0" smtClean="0"/>
+              <a:t>настроить модель предсказания;</a:t>
+            </a:r>
+            <a:r>
+              <a:rPr lang="ru-RU" sz="2800" dirty="0">
+                <a:latin typeface="Calibri"/>
+                <a:ea typeface="Calibri"/>
+                <a:cs typeface="Calibri"/>
+                <a:sym typeface="Calibri"/>
+              </a:rPr>
+              <a:t/>
+            </a:r>
+            <a:br>
+              <a:rPr lang="ru-RU" sz="2800" dirty="0">
+                <a:latin typeface="Calibri"/>
+                <a:ea typeface="Calibri"/>
+                <a:cs typeface="Calibri"/>
+                <a:sym typeface="Calibri"/>
+              </a:rPr>
+            </a:br>
+            <a:endParaRPr dirty="0"/>
+          </a:p>
+        </p:txBody>
+      </p:sp>
+      <p:pic>
+        <p:nvPicPr>
+          <p:cNvPr id="3" name="Google Shape;213;g1057795b482_0_0"/>
+          <p:cNvPicPr preferRelativeResize="0"/>
+          <p:nvPr/>
+        </p:nvPicPr>
+        <p:blipFill>
+          <a:blip r:embed="rId3">
+            <a:alphaModFix/>
+          </a:blip>
+          <a:stretch>
+            <a:fillRect/>
+          </a:stretch>
+        </p:blipFill>
+        <p:spPr>
+          <a:xfrm>
+            <a:off x="9666513" y="6049333"/>
+            <a:ext cx="2900005" cy="968323"/>
+          </a:xfrm>
+          <a:prstGeom prst="rect">
+            <a:avLst/>
+          </a:prstGeom>
+          <a:noFill/>
+          <a:ln>
+            <a:noFill/>
+          </a:ln>
+        </p:spPr>
+      </p:pic>
+    </p:spTree>
+  </p:cSld>
+  <p:clrMapOvr>
+    <a:masterClrMapping/>
+  </p:clrMapOvr>
+</p:sld>
+</file>
+
+<file path=ppt/slides/slide20.xml><?xml version="1.0" encoding="utf-8"?>
 <p:sld xmlns:a="http://schemas.openxmlformats.org/drawingml/2006/main" xmlns:r="http://schemas.openxmlformats.org/officeDocument/2006/relationships" xmlns:p="http://schemas.openxmlformats.org/presentationml/2006/main">
   <p:cSld>
     <p:spTree>
@@ -52444,7 +53966,7 @@
 </p:sld>
 </file>
 
-<file path=ppt/slides/slide18.xml><?xml version="1.0" encoding="utf-8"?>
+<file path=ppt/slides/slide21.xml><?xml version="1.0" encoding="utf-8"?>
 <p:sld xmlns:a="http://schemas.openxmlformats.org/drawingml/2006/main" xmlns:r="http://schemas.openxmlformats.org/officeDocument/2006/relationships" xmlns:p="http://schemas.openxmlformats.org/presentationml/2006/main">
   <p:cSld>
     <p:spTree>
@@ -53256,7 +54778,7 @@
 </p:sld>
 </file>
 
-<file path=ppt/slides/slide19.xml><?xml version="1.0" encoding="utf-8"?>
+<file path=ppt/slides/slide22.xml><?xml version="1.0" encoding="utf-8"?>
 <p:sld xmlns:a="http://schemas.openxmlformats.org/drawingml/2006/main" xmlns:r="http://schemas.openxmlformats.org/officeDocument/2006/relationships" xmlns:p="http://schemas.openxmlformats.org/presentationml/2006/main">
   <p:cSld>
     <p:spTree>
@@ -54068,270 +55590,7 @@
 </p:sld>
 </file>
 
-<file path=ppt/slides/slide2.xml><?xml version="1.0" encoding="utf-8"?>
-<p:sld xmlns:a="http://schemas.openxmlformats.org/drawingml/2006/main" xmlns:r="http://schemas.openxmlformats.org/officeDocument/2006/relationships" xmlns:p="http://schemas.openxmlformats.org/presentationml/2006/main">
-  <p:cSld>
-    <p:bg>
-      <p:bgPr>
-        <a:solidFill>
-          <a:srgbClr val="80BC00"/>
-        </a:solidFill>
-        <a:effectLst/>
-      </p:bgPr>
-    </p:bg>
-    <p:spTree>
-      <p:nvGrpSpPr>
-        <p:cNvPr id="1" name="Shape 218"/>
-        <p:cNvGrpSpPr/>
-        <p:nvPr/>
-      </p:nvGrpSpPr>
-      <p:grpSpPr>
-        <a:xfrm>
-          <a:off x="0" y="0"/>
-          <a:ext cx="0" cy="0"/>
-          <a:chOff x="0" y="0"/>
-          <a:chExt cx="0" cy="0"/>
-        </a:xfrm>
-      </p:grpSpPr>
-      <p:sp>
-        <p:nvSpPr>
-          <p:cNvPr id="219" name="Google Shape;219;p2"/>
-          <p:cNvSpPr txBox="1">
-            <a:spLocks noGrp="1"/>
-          </p:cNvSpPr>
-          <p:nvPr>
-            <p:ph type="title"/>
-          </p:nvPr>
-        </p:nvSpPr>
-        <p:spPr>
-          <a:xfrm>
-            <a:off x="619814" y="899821"/>
-            <a:ext cx="11254134" cy="5447969"/>
-          </a:xfrm>
-          <a:prstGeom prst="rect">
-            <a:avLst/>
-          </a:prstGeom>
-          <a:noFill/>
-          <a:ln>
-            <a:noFill/>
-          </a:ln>
-        </p:spPr>
-        <p:txBody>
-          <a:bodyPr spcFirstLastPara="1" wrap="square" lIns="91425" tIns="45700" rIns="91425" bIns="45700" anchor="t" anchorCtr="0">
-            <a:normAutofit/>
-          </a:bodyPr>
-          <a:lstStyle/>
-          <a:p>
-            <a:pPr lvl="0">
-              <a:buSzPts val="2800"/>
-            </a:pPr>
-            <a:r>
-              <a:rPr lang="ru-RU" sz="2800" b="1" dirty="0">
-                <a:latin typeface="Calibri"/>
-                <a:ea typeface="Calibri"/>
-                <a:cs typeface="Calibri"/>
-                <a:sym typeface="Calibri"/>
-              </a:rPr>
-              <a:t>Цель: </a:t>
-            </a:r>
-            <a:r>
-              <a:rPr lang="ru-RU" sz="2800" b="1" dirty="0" smtClean="0">
-                <a:latin typeface="Calibri"/>
-                <a:ea typeface="Calibri"/>
-                <a:cs typeface="Calibri"/>
-                <a:sym typeface="Calibri"/>
-              </a:rPr>
-              <a:t>Определить </a:t>
-            </a:r>
-            <a:r>
-              <a:rPr lang="ru-RU" sz="2800" b="1" dirty="0"/>
-              <a:t>Какое </a:t>
-            </a:r>
-            <a:r>
-              <a:rPr lang="ru-RU" sz="2800" b="1" dirty="0"/>
-              <a:t>будет общее количество случаев заболевания на миллион в период с 5 апреля 2021 года по 5 ноября 2021 </a:t>
-            </a:r>
-            <a:r>
-              <a:rPr lang="ru-RU" sz="2800" b="1" dirty="0"/>
-              <a:t>года</a:t>
-            </a:r>
-            <a:br>
-              <a:rPr lang="ru-RU" sz="2800" b="1" dirty="0"/>
-            </a:br>
-            <a:r>
-              <a:rPr lang="ru-RU" sz="2800" dirty="0">
-                <a:latin typeface="Calibri"/>
-                <a:ea typeface="Calibri"/>
-                <a:cs typeface="Calibri"/>
-                <a:sym typeface="Calibri"/>
-              </a:rPr>
-              <a:t/>
-            </a:r>
-            <a:br>
-              <a:rPr lang="ru-RU" sz="2800" dirty="0">
-                <a:latin typeface="Calibri"/>
-                <a:ea typeface="Calibri"/>
-                <a:cs typeface="Calibri"/>
-                <a:sym typeface="Calibri"/>
-              </a:rPr>
-            </a:br>
-            <a:r>
-              <a:rPr lang="ru-RU" sz="2800" b="1" dirty="0">
-                <a:latin typeface="Calibri"/>
-                <a:ea typeface="Calibri"/>
-                <a:cs typeface="Calibri"/>
-                <a:sym typeface="Calibri"/>
-              </a:rPr>
-              <a:t>Задачи  в рамках сессий: </a:t>
-            </a:r>
-            <a:br>
-              <a:rPr lang="ru-RU" sz="2800" b="1" dirty="0">
-                <a:latin typeface="Calibri"/>
-                <a:ea typeface="Calibri"/>
-                <a:cs typeface="Calibri"/>
-                <a:sym typeface="Calibri"/>
-              </a:rPr>
-            </a:br>
-            <a:r>
-              <a:rPr lang="ru-RU" sz="2800" dirty="0">
-                <a:latin typeface="Calibri"/>
-                <a:ea typeface="Calibri"/>
-                <a:cs typeface="Calibri"/>
-                <a:sym typeface="Calibri"/>
-              </a:rPr>
-              <a:t/>
-            </a:r>
-            <a:br>
-              <a:rPr lang="ru-RU" sz="2800" dirty="0">
-                <a:latin typeface="Calibri"/>
-                <a:ea typeface="Calibri"/>
-                <a:cs typeface="Calibri"/>
-                <a:sym typeface="Calibri"/>
-              </a:rPr>
-            </a:br>
-            <a:r>
-              <a:rPr lang="ru-RU" sz="2800" dirty="0">
-                <a:latin typeface="Calibri"/>
-                <a:ea typeface="Calibri"/>
-                <a:cs typeface="Calibri"/>
-                <a:sym typeface="Calibri"/>
-              </a:rPr>
-              <a:t>- </a:t>
-            </a:r>
-            <a:r>
-              <a:rPr lang="ru-RU" sz="2800" dirty="0" smtClean="0">
-                <a:latin typeface="Calibri"/>
-                <a:ea typeface="Calibri"/>
-                <a:cs typeface="Calibri"/>
-                <a:sym typeface="Calibri"/>
-              </a:rPr>
-              <a:t>определить значимый тренд по заболевшим;</a:t>
-            </a:r>
-            <a:r>
-              <a:rPr lang="ru-RU" sz="2800" dirty="0">
-                <a:latin typeface="Calibri"/>
-                <a:ea typeface="Calibri"/>
-                <a:cs typeface="Calibri"/>
-                <a:sym typeface="Calibri"/>
-              </a:rPr>
-              <a:t/>
-            </a:r>
-            <a:br>
-              <a:rPr lang="ru-RU" sz="2800" dirty="0">
-                <a:latin typeface="Calibri"/>
-                <a:ea typeface="Calibri"/>
-                <a:cs typeface="Calibri"/>
-                <a:sym typeface="Calibri"/>
-              </a:rPr>
-            </a:br>
-            <a:r>
-              <a:rPr lang="ru-RU" sz="2800" dirty="0">
-                <a:latin typeface="Calibri"/>
-                <a:ea typeface="Calibri"/>
-                <a:cs typeface="Calibri"/>
-                <a:sym typeface="Calibri"/>
-              </a:rPr>
-              <a:t>- </a:t>
-            </a:r>
-            <a:r>
-              <a:rPr lang="ru-RU" sz="2800" dirty="0" smtClean="0">
-                <a:latin typeface="Calibri"/>
-                <a:ea typeface="Calibri"/>
-                <a:cs typeface="Calibri"/>
-                <a:sym typeface="Calibri"/>
-              </a:rPr>
-              <a:t>выяснить, важна ли сезонность при появлении новых заболевших; </a:t>
-            </a:r>
-            <a:br>
-              <a:rPr lang="ru-RU" sz="2800" dirty="0" smtClean="0">
-                <a:latin typeface="Calibri"/>
-                <a:ea typeface="Calibri"/>
-                <a:cs typeface="Calibri"/>
-                <a:sym typeface="Calibri"/>
-              </a:rPr>
-            </a:br>
-            <a:r>
-              <a:rPr lang="ru-RU" sz="2800" dirty="0" smtClean="0"/>
-              <a:t>- определить выбросы данных;</a:t>
-            </a:r>
-            <a:r>
-              <a:rPr lang="ru-RU" sz="2800" dirty="0">
-                <a:latin typeface="Calibri"/>
-                <a:ea typeface="Calibri"/>
-                <a:cs typeface="Calibri"/>
-                <a:sym typeface="Calibri"/>
-              </a:rPr>
-              <a:t/>
-            </a:r>
-            <a:br>
-              <a:rPr lang="ru-RU" sz="2800" dirty="0">
-                <a:latin typeface="Calibri"/>
-                <a:ea typeface="Calibri"/>
-                <a:cs typeface="Calibri"/>
-                <a:sym typeface="Calibri"/>
-              </a:rPr>
-            </a:br>
-            <a:endParaRPr dirty="0"/>
-          </a:p>
-        </p:txBody>
-      </p:sp>
-      <p:pic>
-        <p:nvPicPr>
-          <p:cNvPr id="3" name="Google Shape;213;g1057795b482_0_0"/>
-          <p:cNvPicPr preferRelativeResize="0"/>
-          <p:nvPr/>
-        </p:nvPicPr>
-        <p:blipFill>
-          <a:blip r:embed="rId3">
-            <a:alphaModFix/>
-          </a:blip>
-          <a:stretch>
-            <a:fillRect/>
-          </a:stretch>
-        </p:blipFill>
-        <p:spPr>
-          <a:xfrm>
-            <a:off x="9666513" y="6049333"/>
-            <a:ext cx="2900005" cy="968323"/>
-          </a:xfrm>
-          <a:prstGeom prst="rect">
-            <a:avLst/>
-          </a:prstGeom>
-          <a:noFill/>
-          <a:ln>
-            <a:noFill/>
-          </a:ln>
-        </p:spPr>
-      </p:pic>
-    </p:spTree>
-  </p:cSld>
-  <p:clrMapOvr>
-    <a:masterClrMapping/>
-  </p:clrMapOvr>
-</p:sld>
-</file>
-
-<file path=ppt/slides/slide20.xml><?xml version="1.0" encoding="utf-8"?>
+<file path=ppt/slides/slide23.xml><?xml version="1.0" encoding="utf-8"?>
 <p:sld xmlns:a="http://schemas.openxmlformats.org/drawingml/2006/main" xmlns:r="http://schemas.openxmlformats.org/officeDocument/2006/relationships" xmlns:p="http://schemas.openxmlformats.org/presentationml/2006/main">
   <p:cSld>
     <p:spTree>
@@ -55279,7 +56538,7 @@
 </p:sld>
 </file>
 
-<file path=ppt/slides/slide21.xml><?xml version="1.0" encoding="utf-8"?>
+<file path=ppt/slides/slide24.xml><?xml version="1.0" encoding="utf-8"?>
 <p:sld xmlns:a="http://schemas.openxmlformats.org/drawingml/2006/main" xmlns:r="http://schemas.openxmlformats.org/officeDocument/2006/relationships" xmlns:p="http://schemas.openxmlformats.org/presentationml/2006/main">
   <p:cSld>
     <p:spTree>
@@ -56227,7 +57486,7 @@
 </p:sld>
 </file>
 
-<file path=ppt/slides/slide22.xml><?xml version="1.0" encoding="utf-8"?>
+<file path=ppt/slides/slide25.xml><?xml version="1.0" encoding="utf-8"?>
 <p:sld xmlns:a="http://schemas.openxmlformats.org/drawingml/2006/main" xmlns:r="http://schemas.openxmlformats.org/officeDocument/2006/relationships" xmlns:p="http://schemas.openxmlformats.org/presentationml/2006/main" showMasterSp="0">
   <p:cSld>
     <p:bg>
@@ -57130,6 +58389,749 @@
   <p:cSld>
     <p:spTree>
       <p:nvGrpSpPr>
+        <p:cNvPr id="1" name="Shape 223"/>
+        <p:cNvGrpSpPr/>
+        <p:nvPr/>
+      </p:nvGrpSpPr>
+      <p:grpSpPr>
+        <a:xfrm>
+          <a:off x="0" y="0"/>
+          <a:ext cx="0" cy="0"/>
+          <a:chOff x="0" y="0"/>
+          <a:chExt cx="0" cy="0"/>
+        </a:xfrm>
+      </p:grpSpPr>
+      <p:sp>
+        <p:nvSpPr>
+          <p:cNvPr id="224" name="Google Shape;224;p3"/>
+          <p:cNvSpPr txBox="1">
+            <a:spLocks noGrp="1"/>
+          </p:cNvSpPr>
+          <p:nvPr>
+            <p:ph type="ctrTitle"/>
+          </p:nvPr>
+        </p:nvSpPr>
+        <p:spPr>
+          <a:xfrm>
+            <a:off x="620489" y="628956"/>
+            <a:ext cx="7948354" cy="589424"/>
+          </a:xfrm>
+          <a:prstGeom prst="rect">
+            <a:avLst/>
+          </a:prstGeom>
+          <a:noFill/>
+          <a:ln>
+            <a:noFill/>
+          </a:ln>
+        </p:spPr>
+        <p:txBody>
+          <a:bodyPr spcFirstLastPara="1" wrap="square" lIns="91425" tIns="45700" rIns="91425" bIns="45700" anchor="t" anchorCtr="0">
+            <a:normAutofit/>
+          </a:bodyPr>
+          <a:lstStyle/>
+          <a:p>
+            <a:pPr lvl="0"/>
+            <a:r>
+              <a:rPr lang="ru-RU" dirty="0"/>
+              <a:t>Выбор и настройка модели </a:t>
+            </a:r>
+            <a:r>
+              <a:rPr lang="ru-RU" dirty="0" smtClean="0"/>
+              <a:t>ARIMA.</a:t>
+            </a:r>
+            <a:endParaRPr b="1" dirty="0">
+              <a:solidFill>
+                <a:srgbClr val="80BC00"/>
+              </a:solidFill>
+              <a:latin typeface="Calibri"/>
+              <a:ea typeface="Calibri"/>
+              <a:cs typeface="Calibri"/>
+              <a:sym typeface="Calibri"/>
+            </a:endParaRPr>
+          </a:p>
+        </p:txBody>
+      </p:sp>
+      <p:sp>
+        <p:nvSpPr>
+          <p:cNvPr id="226" name="Google Shape;226;p3"/>
+          <p:cNvSpPr txBox="1">
+            <a:spLocks noGrp="1"/>
+          </p:cNvSpPr>
+          <p:nvPr>
+            <p:ph type="body" idx="3"/>
+          </p:nvPr>
+        </p:nvSpPr>
+        <p:spPr>
+          <a:xfrm>
+            <a:off x="685480" y="1446918"/>
+            <a:ext cx="5231743" cy="2105174"/>
+          </a:xfrm>
+          <a:prstGeom prst="rect">
+            <a:avLst/>
+          </a:prstGeom>
+          <a:noFill/>
+          <a:ln>
+            <a:noFill/>
+          </a:ln>
+        </p:spPr>
+        <p:txBody>
+          <a:bodyPr spcFirstLastPara="1" wrap="square" lIns="91425" tIns="45700" rIns="91425" bIns="45700" anchor="t" anchorCtr="0">
+            <a:noAutofit/>
+          </a:bodyPr>
+          <a:lstStyle/>
+          <a:p>
+            <a:pPr marL="228600" lvl="0" indent="-228600">
+              <a:spcBef>
+                <a:spcPts val="0"/>
+              </a:spcBef>
+            </a:pPr>
+            <a:r>
+              <a:rPr lang="ru-RU" dirty="0"/>
+              <a:t>М</a:t>
+            </a:r>
+            <a:r>
+              <a:rPr lang="ru-RU" dirty="0" smtClean="0"/>
+              <a:t>одель </a:t>
+            </a:r>
+            <a:r>
+              <a:rPr lang="ru-RU" dirty="0"/>
+              <a:t>более-менее может предсказать на 6 дней, далее предсказания с ожидаемыми данными расходятся.</a:t>
+            </a:r>
+            <a:endParaRPr lang="ru-RU" dirty="0" smtClean="0"/>
+          </a:p>
+          <a:p>
+            <a:pPr marL="228600" lvl="0" indent="-228600">
+              <a:spcBef>
+                <a:spcPts val="0"/>
+              </a:spcBef>
+            </a:pPr>
+            <a:r>
+              <a:rPr lang="ru-RU" dirty="0" smtClean="0"/>
+              <a:t>Проблема</a:t>
+            </a:r>
+            <a:r>
+              <a:rPr lang="ru-RU" dirty="0"/>
+              <a:t>: в прогнозе на месяц прогнозируется падение, когда наша переменная падать не может (она может только расти).</a:t>
+            </a:r>
+            <a:endParaRPr dirty="0"/>
+          </a:p>
+        </p:txBody>
+      </p:sp>
+      <p:pic>
+        <p:nvPicPr>
+          <p:cNvPr id="11" name="Google Shape;213;g1057795b482_0_0"/>
+          <p:cNvPicPr preferRelativeResize="0"/>
+          <p:nvPr/>
+        </p:nvPicPr>
+        <p:blipFill>
+          <a:blip r:embed="rId3">
+            <a:alphaModFix/>
+          </a:blip>
+          <a:stretch>
+            <a:fillRect/>
+          </a:stretch>
+        </p:blipFill>
+        <p:spPr>
+          <a:xfrm>
+            <a:off x="9575073" y="6023207"/>
+            <a:ext cx="2900005" cy="968323"/>
+          </a:xfrm>
+          <a:prstGeom prst="rect">
+            <a:avLst/>
+          </a:prstGeom>
+          <a:noFill/>
+          <a:ln>
+            <a:noFill/>
+          </a:ln>
+        </p:spPr>
+      </p:pic>
+      <p:pic>
+        <p:nvPicPr>
+          <p:cNvPr id="2" name="Рисунок 1"/>
+          <p:cNvPicPr>
+            <a:picLocks noChangeAspect="1"/>
+          </p:cNvPicPr>
+          <p:nvPr/>
+        </p:nvPicPr>
+        <p:blipFill>
+          <a:blip r:embed="rId4"/>
+          <a:stretch>
+            <a:fillRect/>
+          </a:stretch>
+        </p:blipFill>
+        <p:spPr>
+          <a:xfrm>
+            <a:off x="5486690" y="2704280"/>
+            <a:ext cx="6453265" cy="3582220"/>
+          </a:xfrm>
+          <a:prstGeom prst="rect">
+            <a:avLst/>
+          </a:prstGeom>
+        </p:spPr>
+      </p:pic>
+    </p:spTree>
+    <p:extLst>
+      <p:ext uri="{BB962C8B-B14F-4D97-AF65-F5344CB8AC3E}">
+        <p14:creationId xmlns:p14="http://schemas.microsoft.com/office/powerpoint/2010/main" val="3450233534"/>
+      </p:ext>
+    </p:extLst>
+  </p:cSld>
+  <p:clrMapOvr>
+    <a:masterClrMapping/>
+  </p:clrMapOvr>
+</p:sld>
+</file>
+
+<file path=ppt/slides/slide7.xml><?xml version="1.0" encoding="utf-8"?>
+<p:sld xmlns:a="http://schemas.openxmlformats.org/drawingml/2006/main" xmlns:r="http://schemas.openxmlformats.org/officeDocument/2006/relationships" xmlns:p="http://schemas.openxmlformats.org/presentationml/2006/main">
+  <p:cSld>
+    <p:spTree>
+      <p:nvGrpSpPr>
+        <p:cNvPr id="1" name="Shape 223"/>
+        <p:cNvGrpSpPr/>
+        <p:nvPr/>
+      </p:nvGrpSpPr>
+      <p:grpSpPr>
+        <a:xfrm>
+          <a:off x="0" y="0"/>
+          <a:ext cx="0" cy="0"/>
+          <a:chOff x="0" y="0"/>
+          <a:chExt cx="0" cy="0"/>
+        </a:xfrm>
+      </p:grpSpPr>
+      <p:sp>
+        <p:nvSpPr>
+          <p:cNvPr id="224" name="Google Shape;224;p3"/>
+          <p:cNvSpPr txBox="1">
+            <a:spLocks noGrp="1"/>
+          </p:cNvSpPr>
+          <p:nvPr>
+            <p:ph type="ctrTitle"/>
+          </p:nvPr>
+        </p:nvSpPr>
+        <p:spPr>
+          <a:xfrm>
+            <a:off x="620489" y="628956"/>
+            <a:ext cx="7948354" cy="589424"/>
+          </a:xfrm>
+          <a:prstGeom prst="rect">
+            <a:avLst/>
+          </a:prstGeom>
+          <a:noFill/>
+          <a:ln>
+            <a:noFill/>
+          </a:ln>
+        </p:spPr>
+        <p:txBody>
+          <a:bodyPr spcFirstLastPara="1" wrap="square" lIns="91425" tIns="45700" rIns="91425" bIns="45700" anchor="t" anchorCtr="0">
+            <a:normAutofit/>
+          </a:bodyPr>
+          <a:lstStyle/>
+          <a:p>
+            <a:pPr lvl="0"/>
+            <a:r>
+              <a:rPr lang="ru-RU" dirty="0"/>
+              <a:t>Выбор и настройка модели </a:t>
+            </a:r>
+            <a:r>
+              <a:rPr lang="ru-RU" dirty="0" smtClean="0"/>
+              <a:t>ARIMA.</a:t>
+            </a:r>
+            <a:endParaRPr b="1" dirty="0">
+              <a:solidFill>
+                <a:srgbClr val="80BC00"/>
+              </a:solidFill>
+              <a:latin typeface="Calibri"/>
+              <a:ea typeface="Calibri"/>
+              <a:cs typeface="Calibri"/>
+              <a:sym typeface="Calibri"/>
+            </a:endParaRPr>
+          </a:p>
+        </p:txBody>
+      </p:sp>
+      <p:pic>
+        <p:nvPicPr>
+          <p:cNvPr id="11" name="Google Shape;213;g1057795b482_0_0"/>
+          <p:cNvPicPr preferRelativeResize="0"/>
+          <p:nvPr/>
+        </p:nvPicPr>
+        <p:blipFill>
+          <a:blip r:embed="rId3">
+            <a:alphaModFix/>
+          </a:blip>
+          <a:stretch>
+            <a:fillRect/>
+          </a:stretch>
+        </p:blipFill>
+        <p:spPr>
+          <a:xfrm>
+            <a:off x="9575073" y="6023207"/>
+            <a:ext cx="2900005" cy="968323"/>
+          </a:xfrm>
+          <a:prstGeom prst="rect">
+            <a:avLst/>
+          </a:prstGeom>
+          <a:noFill/>
+          <a:ln>
+            <a:noFill/>
+          </a:ln>
+        </p:spPr>
+      </p:pic>
+      <p:sp>
+        <p:nvSpPr>
+          <p:cNvPr id="7" name="Google Shape;226;p3"/>
+          <p:cNvSpPr txBox="1">
+            <a:spLocks/>
+          </p:cNvSpPr>
+          <p:nvPr/>
+        </p:nvSpPr>
+        <p:spPr>
+          <a:xfrm>
+            <a:off x="430446" y="1502604"/>
+            <a:ext cx="5231743" cy="2105174"/>
+          </a:xfrm>
+          <a:prstGeom prst="rect">
+            <a:avLst/>
+          </a:prstGeom>
+          <a:noFill/>
+          <a:ln>
+            <a:noFill/>
+          </a:ln>
+        </p:spPr>
+        <p:txBody>
+          <a:bodyPr spcFirstLastPara="1" wrap="square" lIns="91425" tIns="45700" rIns="91425" bIns="45700" anchor="t" anchorCtr="0">
+            <a:noAutofit/>
+          </a:bodyPr>
+          <a:lstStyle>
+            <a:defPPr marR="0" lvl="0" algn="l" rtl="0">
+              <a:lnSpc>
+                <a:spcPct val="100000"/>
+              </a:lnSpc>
+              <a:spcBef>
+                <a:spcPts val="0"/>
+              </a:spcBef>
+              <a:spcAft>
+                <a:spcPts val="0"/>
+              </a:spcAft>
+            </a:defPPr>
+            <a:lvl1pPr marL="457200" marR="0" lvl="0" indent="-342900" algn="l" rtl="0">
+              <a:lnSpc>
+                <a:spcPct val="90000"/>
+              </a:lnSpc>
+              <a:spcBef>
+                <a:spcPts val="1000"/>
+              </a:spcBef>
+              <a:spcAft>
+                <a:spcPts val="0"/>
+              </a:spcAft>
+              <a:buClr>
+                <a:srgbClr val="80BC00"/>
+              </a:buClr>
+              <a:buSzPts val="1800"/>
+              <a:buFont typeface="Noto Sans Symbols"/>
+              <a:buChar char="▪"/>
+              <a:defRPr sz="1800" b="0" i="0" u="none" strike="noStrike" cap="none">
+                <a:solidFill>
+                  <a:schemeClr val="dk1"/>
+                </a:solidFill>
+                <a:latin typeface="Calibri"/>
+                <a:ea typeface="Calibri"/>
+                <a:cs typeface="Calibri"/>
+                <a:sym typeface="Calibri"/>
+              </a:defRPr>
+            </a:lvl1pPr>
+            <a:lvl2pPr marL="914400" marR="0" lvl="1" indent="-317500" algn="l" rtl="0">
+              <a:lnSpc>
+                <a:spcPct val="90000"/>
+              </a:lnSpc>
+              <a:spcBef>
+                <a:spcPts val="500"/>
+              </a:spcBef>
+              <a:spcAft>
+                <a:spcPts val="0"/>
+              </a:spcAft>
+              <a:buClr>
+                <a:srgbClr val="80BC00"/>
+              </a:buClr>
+              <a:buSzPts val="1400"/>
+              <a:buFont typeface="Noto Sans Symbols"/>
+              <a:buChar char="▪"/>
+              <a:defRPr sz="1400" b="0" i="0" u="none" strike="noStrike" cap="none">
+                <a:solidFill>
+                  <a:schemeClr val="dk1"/>
+                </a:solidFill>
+                <a:latin typeface="Calibri"/>
+                <a:ea typeface="Calibri"/>
+                <a:cs typeface="Calibri"/>
+                <a:sym typeface="Calibri"/>
+              </a:defRPr>
+            </a:lvl2pPr>
+            <a:lvl3pPr marL="1371600" marR="0" lvl="2" indent="-228600" algn="l" rtl="0">
+              <a:lnSpc>
+                <a:spcPct val="90000"/>
+              </a:lnSpc>
+              <a:spcBef>
+                <a:spcPts val="500"/>
+              </a:spcBef>
+              <a:spcAft>
+                <a:spcPts val="0"/>
+              </a:spcAft>
+              <a:buClr>
+                <a:schemeClr val="dk1"/>
+              </a:buClr>
+              <a:buSzPts val="1600"/>
+              <a:buFont typeface="Calibri"/>
+              <a:buNone/>
+              <a:defRPr sz="1600" b="0" i="0" u="none" strike="noStrike" cap="none">
+                <a:solidFill>
+                  <a:schemeClr val="dk1"/>
+                </a:solidFill>
+                <a:latin typeface="Calibri"/>
+                <a:ea typeface="Calibri"/>
+                <a:cs typeface="Calibri"/>
+                <a:sym typeface="Calibri"/>
+              </a:defRPr>
+            </a:lvl3pPr>
+            <a:lvl4pPr marL="1828800" marR="0" lvl="3" indent="-228600" algn="l" rtl="0">
+              <a:lnSpc>
+                <a:spcPct val="90000"/>
+              </a:lnSpc>
+              <a:spcBef>
+                <a:spcPts val="500"/>
+              </a:spcBef>
+              <a:spcAft>
+                <a:spcPts val="0"/>
+              </a:spcAft>
+              <a:buClr>
+                <a:schemeClr val="dk1"/>
+              </a:buClr>
+              <a:buSzPts val="1400"/>
+              <a:buFont typeface="Calibri"/>
+              <a:buNone/>
+              <a:defRPr sz="1400" b="0" i="0" u="none" strike="noStrike" cap="none">
+                <a:solidFill>
+                  <a:schemeClr val="dk1"/>
+                </a:solidFill>
+                <a:latin typeface="Calibri"/>
+                <a:ea typeface="Calibri"/>
+                <a:cs typeface="Calibri"/>
+                <a:sym typeface="Calibri"/>
+              </a:defRPr>
+            </a:lvl4pPr>
+            <a:lvl5pPr marL="2286000" marR="0" lvl="4" indent="-228600" algn="l" rtl="0">
+              <a:lnSpc>
+                <a:spcPct val="90000"/>
+              </a:lnSpc>
+              <a:spcBef>
+                <a:spcPts val="500"/>
+              </a:spcBef>
+              <a:spcAft>
+                <a:spcPts val="0"/>
+              </a:spcAft>
+              <a:buClr>
+                <a:schemeClr val="dk1"/>
+              </a:buClr>
+              <a:buSzPts val="1400"/>
+              <a:buFont typeface="Calibri"/>
+              <a:buNone/>
+              <a:defRPr sz="1400" b="0" i="0" u="none" strike="noStrike" cap="none">
+                <a:solidFill>
+                  <a:schemeClr val="dk1"/>
+                </a:solidFill>
+                <a:latin typeface="Calibri"/>
+                <a:ea typeface="Calibri"/>
+                <a:cs typeface="Calibri"/>
+                <a:sym typeface="Calibri"/>
+              </a:defRPr>
+            </a:lvl5pPr>
+            <a:lvl6pPr marL="2743200" marR="0" lvl="5" indent="-342900" algn="l" rtl="0">
+              <a:lnSpc>
+                <a:spcPct val="90000"/>
+              </a:lnSpc>
+              <a:spcBef>
+                <a:spcPts val="500"/>
+              </a:spcBef>
+              <a:spcAft>
+                <a:spcPts val="0"/>
+              </a:spcAft>
+              <a:buClr>
+                <a:schemeClr val="dk1"/>
+              </a:buClr>
+              <a:buSzPts val="1800"/>
+              <a:buFont typeface="Arial"/>
+              <a:buChar char="•"/>
+              <a:defRPr sz="1800" b="0" i="0" u="none" strike="noStrike" cap="none">
+                <a:solidFill>
+                  <a:schemeClr val="dk1"/>
+                </a:solidFill>
+                <a:latin typeface="Calibri"/>
+                <a:ea typeface="Calibri"/>
+                <a:cs typeface="Calibri"/>
+                <a:sym typeface="Calibri"/>
+              </a:defRPr>
+            </a:lvl6pPr>
+            <a:lvl7pPr marL="3200400" marR="0" lvl="6" indent="-342900" algn="l" rtl="0">
+              <a:lnSpc>
+                <a:spcPct val="90000"/>
+              </a:lnSpc>
+              <a:spcBef>
+                <a:spcPts val="500"/>
+              </a:spcBef>
+              <a:spcAft>
+                <a:spcPts val="0"/>
+              </a:spcAft>
+              <a:buClr>
+                <a:schemeClr val="dk1"/>
+              </a:buClr>
+              <a:buSzPts val="1800"/>
+              <a:buFont typeface="Arial"/>
+              <a:buChar char="•"/>
+              <a:defRPr sz="1800" b="0" i="0" u="none" strike="noStrike" cap="none">
+                <a:solidFill>
+                  <a:schemeClr val="dk1"/>
+                </a:solidFill>
+                <a:latin typeface="Calibri"/>
+                <a:ea typeface="Calibri"/>
+                <a:cs typeface="Calibri"/>
+                <a:sym typeface="Calibri"/>
+              </a:defRPr>
+            </a:lvl7pPr>
+            <a:lvl8pPr marL="3657600" marR="0" lvl="7" indent="-342900" algn="l" rtl="0">
+              <a:lnSpc>
+                <a:spcPct val="90000"/>
+              </a:lnSpc>
+              <a:spcBef>
+                <a:spcPts val="500"/>
+              </a:spcBef>
+              <a:spcAft>
+                <a:spcPts val="0"/>
+              </a:spcAft>
+              <a:buClr>
+                <a:schemeClr val="dk1"/>
+              </a:buClr>
+              <a:buSzPts val="1800"/>
+              <a:buFont typeface="Arial"/>
+              <a:buChar char="•"/>
+              <a:defRPr sz="1800" b="0" i="0" u="none" strike="noStrike" cap="none">
+                <a:solidFill>
+                  <a:schemeClr val="dk1"/>
+                </a:solidFill>
+                <a:latin typeface="Calibri"/>
+                <a:ea typeface="Calibri"/>
+                <a:cs typeface="Calibri"/>
+                <a:sym typeface="Calibri"/>
+              </a:defRPr>
+            </a:lvl8pPr>
+            <a:lvl9pPr marL="4114800" marR="0" lvl="8" indent="-342900" algn="l" rtl="0">
+              <a:lnSpc>
+                <a:spcPct val="90000"/>
+              </a:lnSpc>
+              <a:spcBef>
+                <a:spcPts val="500"/>
+              </a:spcBef>
+              <a:spcAft>
+                <a:spcPts val="0"/>
+              </a:spcAft>
+              <a:buClr>
+                <a:schemeClr val="dk1"/>
+              </a:buClr>
+              <a:buSzPts val="1800"/>
+              <a:buFont typeface="Arial"/>
+              <a:buChar char="•"/>
+              <a:defRPr sz="1800" b="0" i="0" u="none" strike="noStrike" cap="none">
+                <a:solidFill>
+                  <a:schemeClr val="dk1"/>
+                </a:solidFill>
+                <a:latin typeface="Calibri"/>
+                <a:ea typeface="Calibri"/>
+                <a:cs typeface="Calibri"/>
+                <a:sym typeface="Calibri"/>
+              </a:defRPr>
+            </a:lvl9pPr>
+          </a:lstStyle>
+          <a:p>
+            <a:pPr marL="228600" indent="-228600">
+              <a:spcBef>
+                <a:spcPts val="0"/>
+              </a:spcBef>
+            </a:pPr>
+            <a:r>
+              <a:rPr lang="ru-RU" dirty="0" smtClean="0"/>
+              <a:t>Предсказание по этой модели выдает большую ошибку.</a:t>
+            </a:r>
+            <a:endParaRPr lang="ru-RU" dirty="0"/>
+          </a:p>
+        </p:txBody>
+      </p:sp>
+      <p:pic>
+        <p:nvPicPr>
+          <p:cNvPr id="5" name="Рисунок 4"/>
+          <p:cNvPicPr>
+            <a:picLocks noChangeAspect="1"/>
+          </p:cNvPicPr>
+          <p:nvPr/>
+        </p:nvPicPr>
+        <p:blipFill>
+          <a:blip r:embed="rId4"/>
+          <a:stretch>
+            <a:fillRect/>
+          </a:stretch>
+        </p:blipFill>
+        <p:spPr>
+          <a:xfrm>
+            <a:off x="5788266" y="2162906"/>
+            <a:ext cx="6158238" cy="3446586"/>
+          </a:xfrm>
+          <a:prstGeom prst="rect">
+            <a:avLst/>
+          </a:prstGeom>
+        </p:spPr>
+      </p:pic>
+    </p:spTree>
+    <p:extLst>
+      <p:ext uri="{BB962C8B-B14F-4D97-AF65-F5344CB8AC3E}">
+        <p14:creationId xmlns:p14="http://schemas.microsoft.com/office/powerpoint/2010/main" val="2660338077"/>
+      </p:ext>
+    </p:extLst>
+  </p:cSld>
+  <p:clrMapOvr>
+    <a:masterClrMapping/>
+  </p:clrMapOvr>
+</p:sld>
+</file>
+
+<file path=ppt/slides/slide8.xml><?xml version="1.0" encoding="utf-8"?>
+<p:sld xmlns:a="http://schemas.openxmlformats.org/drawingml/2006/main" xmlns:r="http://schemas.openxmlformats.org/officeDocument/2006/relationships" xmlns:p="http://schemas.openxmlformats.org/presentationml/2006/main">
+  <p:cSld>
+    <p:spTree>
+      <p:nvGrpSpPr>
+        <p:cNvPr id="1" name=""/>
+        <p:cNvGrpSpPr/>
+        <p:nvPr/>
+      </p:nvGrpSpPr>
+      <p:grpSpPr>
+        <a:xfrm>
+          <a:off x="0" y="0"/>
+          <a:ext cx="0" cy="0"/>
+          <a:chOff x="0" y="0"/>
+          <a:chExt cx="0" cy="0"/>
+        </a:xfrm>
+      </p:grpSpPr>
+      <p:sp>
+        <p:nvSpPr>
+          <p:cNvPr id="2" name="Заголовок 1"/>
+          <p:cNvSpPr>
+            <a:spLocks noGrp="1"/>
+          </p:cNvSpPr>
+          <p:nvPr>
+            <p:ph type="ctrTitle"/>
+          </p:nvPr>
+        </p:nvSpPr>
+        <p:spPr/>
+        <p:txBody>
+          <a:bodyPr/>
+          <a:lstStyle/>
+          <a:p>
+            <a:endParaRPr lang="ru-RU"/>
+          </a:p>
+        </p:txBody>
+      </p:sp>
+      <p:sp>
+        <p:nvSpPr>
+          <p:cNvPr id="3" name="Подзаголовок 2"/>
+          <p:cNvSpPr>
+            <a:spLocks noGrp="1"/>
+          </p:cNvSpPr>
+          <p:nvPr>
+            <p:ph type="subTitle" idx="1"/>
+          </p:nvPr>
+        </p:nvSpPr>
+        <p:spPr/>
+        <p:txBody>
+          <a:bodyPr/>
+          <a:lstStyle/>
+          <a:p>
+            <a:endParaRPr lang="ru-RU"/>
+          </a:p>
+        </p:txBody>
+      </p:sp>
+      <p:sp>
+        <p:nvSpPr>
+          <p:cNvPr id="4" name="Рисунок 3"/>
+          <p:cNvSpPr>
+            <a:spLocks noGrp="1"/>
+          </p:cNvSpPr>
+          <p:nvPr>
+            <p:ph type="pic" idx="2"/>
+          </p:nvPr>
+        </p:nvSpPr>
+        <p:spPr/>
+      </p:sp>
+      <p:sp>
+        <p:nvSpPr>
+          <p:cNvPr id="5" name="Текст 4"/>
+          <p:cNvSpPr>
+            <a:spLocks noGrp="1"/>
+          </p:cNvSpPr>
+          <p:nvPr>
+            <p:ph type="body" idx="3"/>
+          </p:nvPr>
+        </p:nvSpPr>
+        <p:spPr/>
+        <p:txBody>
+          <a:bodyPr/>
+          <a:lstStyle/>
+          <a:p>
+            <a:endParaRPr lang="ru-RU"/>
+          </a:p>
+        </p:txBody>
+      </p:sp>
+      <p:sp>
+        <p:nvSpPr>
+          <p:cNvPr id="6" name="Номер слайда 5"/>
+          <p:cNvSpPr>
+            <a:spLocks noGrp="1"/>
+          </p:cNvSpPr>
+          <p:nvPr>
+            <p:ph type="sldNum" idx="12"/>
+          </p:nvPr>
+        </p:nvSpPr>
+        <p:spPr/>
+        <p:txBody>
+          <a:bodyPr/>
+          <a:lstStyle/>
+          <a:p>
+            <a:pPr marL="0" lvl="0" indent="0" algn="r" rtl="0">
+              <a:spcBef>
+                <a:spcPts val="0"/>
+              </a:spcBef>
+              <a:spcAft>
+                <a:spcPts val="0"/>
+              </a:spcAft>
+              <a:buNone/>
+            </a:pPr>
+            <a:endParaRPr lang="ru-RU"/>
+          </a:p>
+        </p:txBody>
+      </p:sp>
+    </p:spTree>
+    <p:extLst>
+      <p:ext uri="{BB962C8B-B14F-4D97-AF65-F5344CB8AC3E}">
+        <p14:creationId xmlns:p14="http://schemas.microsoft.com/office/powerpoint/2010/main" val="3848230686"/>
+      </p:ext>
+    </p:extLst>
+  </p:cSld>
+  <p:clrMapOvr>
+    <a:masterClrMapping/>
+  </p:clrMapOvr>
+</p:sld>
+</file>
+
+<file path=ppt/slides/slide9.xml><?xml version="1.0" encoding="utf-8"?>
+<p:sld xmlns:a="http://schemas.openxmlformats.org/drawingml/2006/main" xmlns:r="http://schemas.openxmlformats.org/officeDocument/2006/relationships" xmlns:p="http://schemas.openxmlformats.org/presentationml/2006/main">
+  <p:cSld>
+    <p:spTree>
+      <p:nvGrpSpPr>
         <p:cNvPr id="1" name="Shape 231"/>
         <p:cNvGrpSpPr/>
         <p:nvPr/>
@@ -57470,1049 +59472,6 @@
       <p:sp>
         <p:nvSpPr>
           <p:cNvPr id="237" name="Google Shape;237;p4"/>
-          <p:cNvSpPr txBox="1">
-            <a:spLocks noGrp="1"/>
-          </p:cNvSpPr>
-          <p:nvPr>
-            <p:ph type="sldNum" idx="12"/>
-          </p:nvPr>
-        </p:nvSpPr>
-        <p:spPr>
-          <a:xfrm>
-            <a:off x="10668000" y="6356350"/>
-            <a:ext cx="685800" cy="365125"/>
-          </a:xfrm>
-          <a:prstGeom prst="rect">
-            <a:avLst/>
-          </a:prstGeom>
-          <a:noFill/>
-          <a:ln>
-            <a:noFill/>
-          </a:ln>
-        </p:spPr>
-        <p:txBody>
-          <a:bodyPr spcFirstLastPara="1" wrap="square" lIns="91425" tIns="45700" rIns="91425" bIns="45700" anchor="ctr" anchorCtr="0">
-            <a:noAutofit/>
-          </a:bodyPr>
-          <a:lstStyle/>
-          <a:p>
-            <a:pPr marL="0" lvl="0" indent="0" algn="r" rtl="0">
-              <a:spcBef>
-                <a:spcPts val="0"/>
-              </a:spcBef>
-              <a:spcAft>
-                <a:spcPts val="0"/>
-              </a:spcAft>
-              <a:buNone/>
-            </a:pPr>
-            <a:endParaRPr/>
-          </a:p>
-        </p:txBody>
-      </p:sp>
-    </p:spTree>
-  </p:cSld>
-  <p:clrMapOvr>
-    <a:masterClrMapping/>
-  </p:clrMapOvr>
-</p:sld>
-</file>
-
-<file path=ppt/slides/slide7.xml><?xml version="1.0" encoding="utf-8"?>
-<p:sld xmlns:a="http://schemas.openxmlformats.org/drawingml/2006/main" xmlns:r="http://schemas.openxmlformats.org/officeDocument/2006/relationships" xmlns:p="http://schemas.openxmlformats.org/presentationml/2006/main">
-  <p:cSld>
-    <p:spTree>
-      <p:nvGrpSpPr>
-        <p:cNvPr id="1" name="Shape 241"/>
-        <p:cNvGrpSpPr/>
-        <p:nvPr/>
-      </p:nvGrpSpPr>
-      <p:grpSpPr>
-        <a:xfrm>
-          <a:off x="0" y="0"/>
-          <a:ext cx="0" cy="0"/>
-          <a:chOff x="0" y="0"/>
-          <a:chExt cx="0" cy="0"/>
-        </a:xfrm>
-      </p:grpSpPr>
-      <p:sp>
-        <p:nvSpPr>
-          <p:cNvPr id="242" name="Google Shape;242;p5"/>
-          <p:cNvSpPr>
-            <a:spLocks noGrp="1"/>
-          </p:cNvSpPr>
-          <p:nvPr>
-            <p:ph type="pic" idx="2"/>
-          </p:nvPr>
-        </p:nvSpPr>
-        <p:spPr>
-          <a:xfrm>
-            <a:off x="6703634" y="0"/>
-            <a:ext cx="5488365" cy="6857999"/>
-          </a:xfrm>
-          <a:prstGeom prst="rect">
-            <a:avLst/>
-          </a:prstGeom>
-          <a:noFill/>
-          <a:ln>
-            <a:noFill/>
-          </a:ln>
-        </p:spPr>
-        <p:txBody>
-          <a:bodyPr spcFirstLastPara="1" wrap="square" lIns="91425" tIns="45700" rIns="91425" bIns="45700" anchor="t" anchorCtr="0">
-            <a:noAutofit/>
-          </a:bodyPr>
-          <a:lstStyle/>
-          <a:p>
-            <a:pPr marL="0" lvl="0" indent="0" algn="l" rtl="0">
-              <a:spcBef>
-                <a:spcPts val="1000"/>
-              </a:spcBef>
-              <a:spcAft>
-                <a:spcPts val="0"/>
-              </a:spcAft>
-              <a:buNone/>
-            </a:pPr>
-            <a:endParaRPr/>
-          </a:p>
-        </p:txBody>
-      </p:sp>
-      <p:sp>
-        <p:nvSpPr>
-          <p:cNvPr id="243" name="Google Shape;243;p5"/>
-          <p:cNvSpPr txBox="1">
-            <a:spLocks noGrp="1"/>
-          </p:cNvSpPr>
-          <p:nvPr>
-            <p:ph type="ctrTitle"/>
-          </p:nvPr>
-        </p:nvSpPr>
-        <p:spPr>
-          <a:xfrm>
-            <a:off x="620489" y="628956"/>
-            <a:ext cx="5748194" cy="589424"/>
-          </a:xfrm>
-          <a:prstGeom prst="rect">
-            <a:avLst/>
-          </a:prstGeom>
-          <a:noFill/>
-          <a:ln>
-            <a:noFill/>
-          </a:ln>
-        </p:spPr>
-        <p:txBody>
-          <a:bodyPr spcFirstLastPara="1" wrap="square" lIns="91425" tIns="45700" rIns="91425" bIns="45700" anchor="t" anchorCtr="0">
-            <a:normAutofit/>
-          </a:bodyPr>
-          <a:lstStyle/>
-          <a:p>
-            <a:pPr marL="0" lvl="0" indent="0" algn="l" rtl="0">
-              <a:lnSpc>
-                <a:spcPct val="90000"/>
-              </a:lnSpc>
-              <a:spcBef>
-                <a:spcPts val="0"/>
-              </a:spcBef>
-              <a:spcAft>
-                <a:spcPts val="0"/>
-              </a:spcAft>
-              <a:buClr>
-                <a:srgbClr val="80BC00"/>
-              </a:buClr>
-              <a:buSzPts val="3600"/>
-              <a:buFont typeface="Calibri"/>
-              <a:buNone/>
-            </a:pPr>
-            <a:endParaRPr b="1">
-              <a:solidFill>
-                <a:srgbClr val="80BC00"/>
-              </a:solidFill>
-              <a:latin typeface="Calibri"/>
-              <a:ea typeface="Calibri"/>
-              <a:cs typeface="Calibri"/>
-              <a:sym typeface="Calibri"/>
-            </a:endParaRPr>
-          </a:p>
-        </p:txBody>
-      </p:sp>
-      <p:sp>
-        <p:nvSpPr>
-          <p:cNvPr id="244" name="Google Shape;244;p5"/>
-          <p:cNvSpPr txBox="1">
-            <a:spLocks noGrp="1"/>
-          </p:cNvSpPr>
-          <p:nvPr>
-            <p:ph type="body" idx="1"/>
-          </p:nvPr>
-        </p:nvSpPr>
-        <p:spPr>
-          <a:xfrm>
-            <a:off x="620487" y="4700455"/>
-            <a:ext cx="5748196" cy="1230170"/>
-          </a:xfrm>
-          <a:prstGeom prst="rect">
-            <a:avLst/>
-          </a:prstGeom>
-          <a:noFill/>
-          <a:ln>
-            <a:noFill/>
-          </a:ln>
-        </p:spPr>
-        <p:txBody>
-          <a:bodyPr spcFirstLastPara="1" wrap="square" lIns="91425" tIns="45700" rIns="91425" bIns="45700" anchor="t" anchorCtr="0">
-            <a:noAutofit/>
-          </a:bodyPr>
-          <a:lstStyle/>
-          <a:p>
-            <a:pPr marL="228600" lvl="0" indent="-114300" algn="l" rtl="0">
-              <a:lnSpc>
-                <a:spcPct val="90000"/>
-              </a:lnSpc>
-              <a:spcBef>
-                <a:spcPts val="0"/>
-              </a:spcBef>
-              <a:spcAft>
-                <a:spcPts val="0"/>
-              </a:spcAft>
-              <a:buClr>
-                <a:srgbClr val="80BC00"/>
-              </a:buClr>
-              <a:buSzPts val="1800"/>
-              <a:buNone/>
-            </a:pPr>
-            <a:endParaRPr>
-              <a:latin typeface="Calibri"/>
-              <a:ea typeface="Calibri"/>
-              <a:cs typeface="Calibri"/>
-              <a:sym typeface="Calibri"/>
-            </a:endParaRPr>
-          </a:p>
-        </p:txBody>
-      </p:sp>
-      <p:sp>
-        <p:nvSpPr>
-          <p:cNvPr id="245" name="Google Shape;245;p5"/>
-          <p:cNvSpPr txBox="1">
-            <a:spLocks noGrp="1"/>
-          </p:cNvSpPr>
-          <p:nvPr>
-            <p:ph type="body" idx="3"/>
-          </p:nvPr>
-        </p:nvSpPr>
-        <p:spPr>
-          <a:xfrm>
-            <a:off x="620490" y="3305175"/>
-            <a:ext cx="5748168" cy="1085850"/>
-          </a:xfrm>
-          <a:prstGeom prst="rect">
-            <a:avLst/>
-          </a:prstGeom>
-          <a:noFill/>
-          <a:ln>
-            <a:noFill/>
-          </a:ln>
-        </p:spPr>
-        <p:txBody>
-          <a:bodyPr spcFirstLastPara="1" wrap="square" lIns="91425" tIns="45700" rIns="91425" bIns="45700" anchor="t" anchorCtr="0">
-            <a:normAutofit/>
-          </a:bodyPr>
-          <a:lstStyle/>
-          <a:p>
-            <a:pPr marL="0" marR="0" lvl="0" indent="0" algn="l" rtl="0">
-              <a:lnSpc>
-                <a:spcPct val="90000"/>
-              </a:lnSpc>
-              <a:spcBef>
-                <a:spcPts val="0"/>
-              </a:spcBef>
-              <a:spcAft>
-                <a:spcPts val="0"/>
-              </a:spcAft>
-              <a:buClr>
-                <a:schemeClr val="dk1"/>
-              </a:buClr>
-              <a:buSzPts val="1800"/>
-              <a:buFont typeface="Arial"/>
-              <a:buNone/>
-            </a:pPr>
-            <a:endParaRPr>
-              <a:latin typeface="Calibri"/>
-              <a:ea typeface="Calibri"/>
-              <a:cs typeface="Calibri"/>
-              <a:sym typeface="Calibri"/>
-            </a:endParaRPr>
-          </a:p>
-        </p:txBody>
-      </p:sp>
-      <p:sp>
-        <p:nvSpPr>
-          <p:cNvPr id="246" name="Google Shape;246;p5"/>
-          <p:cNvSpPr txBox="1">
-            <a:spLocks noGrp="1"/>
-          </p:cNvSpPr>
-          <p:nvPr>
-            <p:ph type="sldNum" idx="12"/>
-          </p:nvPr>
-        </p:nvSpPr>
-        <p:spPr>
-          <a:xfrm>
-            <a:off x="10668000" y="6356350"/>
-            <a:ext cx="685800" cy="365125"/>
-          </a:xfrm>
-          <a:prstGeom prst="rect">
-            <a:avLst/>
-          </a:prstGeom>
-          <a:noFill/>
-          <a:ln>
-            <a:noFill/>
-          </a:ln>
-        </p:spPr>
-        <p:txBody>
-          <a:bodyPr spcFirstLastPara="1" wrap="square" lIns="91425" tIns="45700" rIns="91425" bIns="45700" anchor="ctr" anchorCtr="0">
-            <a:noAutofit/>
-          </a:bodyPr>
-          <a:lstStyle/>
-          <a:p>
-            <a:pPr marL="0" lvl="0" indent="0" algn="r" rtl="0">
-              <a:spcBef>
-                <a:spcPts val="0"/>
-              </a:spcBef>
-              <a:spcAft>
-                <a:spcPts val="0"/>
-              </a:spcAft>
-              <a:buNone/>
-            </a:pPr>
-            <a:endParaRPr/>
-          </a:p>
-        </p:txBody>
-      </p:sp>
-      <p:sp>
-        <p:nvSpPr>
-          <p:cNvPr id="247" name="Google Shape;247;p5"/>
-          <p:cNvSpPr txBox="1"/>
-          <p:nvPr/>
-        </p:nvSpPr>
-        <p:spPr>
-          <a:xfrm>
-            <a:off x="620489" y="1940341"/>
-            <a:ext cx="6968865" cy="928125"/>
-          </a:xfrm>
-          <a:prstGeom prst="rect">
-            <a:avLst/>
-          </a:prstGeom>
-          <a:noFill/>
-          <a:ln>
-            <a:noFill/>
-          </a:ln>
-        </p:spPr>
-        <p:txBody>
-          <a:bodyPr spcFirstLastPara="1" wrap="square" lIns="91425" tIns="45700" rIns="91425" bIns="45700" anchor="t" anchorCtr="0">
-            <a:noAutofit/>
-          </a:bodyPr>
-          <a:lstStyle/>
-          <a:p>
-            <a:pPr marL="0" marR="0" lvl="0" indent="0" algn="l" rtl="0">
-              <a:lnSpc>
-                <a:spcPct val="90000"/>
-              </a:lnSpc>
-              <a:spcBef>
-                <a:spcPts val="0"/>
-              </a:spcBef>
-              <a:spcAft>
-                <a:spcPts val="0"/>
-              </a:spcAft>
-              <a:buClr>
-                <a:schemeClr val="lt1"/>
-              </a:buClr>
-              <a:buSzPts val="1800"/>
-              <a:buFont typeface="Calibri"/>
-              <a:buNone/>
-            </a:pPr>
-            <a:r>
-              <a:rPr lang="ru-RU" sz="1800">
-                <a:solidFill>
-                  <a:schemeClr val="lt1"/>
-                </a:solidFill>
-                <a:latin typeface="Calibri"/>
-                <a:ea typeface="Calibri"/>
-                <a:cs typeface="Calibri"/>
-                <a:sym typeface="Calibri"/>
-              </a:rPr>
-              <a:t>Важные тезисы, которые стоит подчеркнуть. Рекомендуется</a:t>
-            </a:r>
-            <a:br>
-              <a:rPr lang="ru-RU" sz="1800">
-                <a:solidFill>
-                  <a:schemeClr val="lt1"/>
-                </a:solidFill>
-                <a:latin typeface="Calibri"/>
-                <a:ea typeface="Calibri"/>
-                <a:cs typeface="Calibri"/>
-                <a:sym typeface="Calibri"/>
-              </a:rPr>
-            </a:br>
-            <a:r>
-              <a:rPr lang="ru-RU" sz="1800">
-                <a:solidFill>
-                  <a:schemeClr val="lt1"/>
-                </a:solidFill>
-                <a:latin typeface="Calibri"/>
-                <a:ea typeface="Calibri"/>
-                <a:cs typeface="Calibri"/>
-                <a:sym typeface="Calibri"/>
-              </a:rPr>
-              <a:t>не более 2 — 3 предложений. Плашку можно увеличивать</a:t>
-            </a:r>
-            <a:br>
-              <a:rPr lang="ru-RU" sz="1800">
-                <a:solidFill>
-                  <a:schemeClr val="lt1"/>
-                </a:solidFill>
-                <a:latin typeface="Calibri"/>
-                <a:ea typeface="Calibri"/>
-                <a:cs typeface="Calibri"/>
-                <a:sym typeface="Calibri"/>
-              </a:rPr>
-            </a:br>
-            <a:r>
-              <a:rPr lang="ru-RU" sz="1800">
-                <a:solidFill>
-                  <a:schemeClr val="lt1"/>
-                </a:solidFill>
-                <a:latin typeface="Calibri"/>
-                <a:ea typeface="Calibri"/>
-                <a:cs typeface="Calibri"/>
-                <a:sym typeface="Calibri"/>
-              </a:rPr>
-              <a:t>в зависимости от количества используемого текста.</a:t>
-            </a:r>
-            <a:endParaRPr/>
-          </a:p>
-        </p:txBody>
-      </p:sp>
-    </p:spTree>
-  </p:cSld>
-  <p:clrMapOvr>
-    <a:masterClrMapping/>
-  </p:clrMapOvr>
-</p:sld>
-</file>
-
-<file path=ppt/slides/slide8.xml><?xml version="1.0" encoding="utf-8"?>
-<p:sld xmlns:a="http://schemas.openxmlformats.org/drawingml/2006/main" xmlns:r="http://schemas.openxmlformats.org/officeDocument/2006/relationships" xmlns:p="http://schemas.openxmlformats.org/presentationml/2006/main">
-  <p:cSld>
-    <p:spTree>
-      <p:nvGrpSpPr>
-        <p:cNvPr id="1" name="Shape 251"/>
-        <p:cNvGrpSpPr/>
-        <p:nvPr/>
-      </p:nvGrpSpPr>
-      <p:grpSpPr>
-        <a:xfrm>
-          <a:off x="0" y="0"/>
-          <a:ext cx="0" cy="0"/>
-          <a:chOff x="0" y="0"/>
-          <a:chExt cx="0" cy="0"/>
-        </a:xfrm>
-      </p:grpSpPr>
-      <p:sp>
-        <p:nvSpPr>
-          <p:cNvPr id="252" name="Google Shape;252;p6"/>
-          <p:cNvSpPr txBox="1">
-            <a:spLocks noGrp="1"/>
-          </p:cNvSpPr>
-          <p:nvPr>
-            <p:ph type="ctrTitle"/>
-          </p:nvPr>
-        </p:nvSpPr>
-        <p:spPr>
-          <a:xfrm>
-            <a:off x="620489" y="628956"/>
-            <a:ext cx="7948354" cy="589424"/>
-          </a:xfrm>
-          <a:prstGeom prst="rect">
-            <a:avLst/>
-          </a:prstGeom>
-          <a:noFill/>
-          <a:ln>
-            <a:noFill/>
-          </a:ln>
-        </p:spPr>
-        <p:txBody>
-          <a:bodyPr spcFirstLastPara="1" wrap="square" lIns="91425" tIns="45700" rIns="91425" bIns="45700" anchor="t" anchorCtr="0">
-            <a:normAutofit/>
-          </a:bodyPr>
-          <a:lstStyle/>
-          <a:p>
-            <a:pPr marL="0" lvl="0" indent="0" algn="l" rtl="0">
-              <a:lnSpc>
-                <a:spcPct val="90000"/>
-              </a:lnSpc>
-              <a:spcBef>
-                <a:spcPts val="0"/>
-              </a:spcBef>
-              <a:spcAft>
-                <a:spcPts val="0"/>
-              </a:spcAft>
-              <a:buClr>
-                <a:srgbClr val="80BC00"/>
-              </a:buClr>
-              <a:buSzPts val="3600"/>
-              <a:buFont typeface="Calibri"/>
-              <a:buNone/>
-            </a:pPr>
-            <a:endParaRPr b="1">
-              <a:latin typeface="Calibri"/>
-              <a:ea typeface="Calibri"/>
-              <a:cs typeface="Calibri"/>
-              <a:sym typeface="Calibri"/>
-            </a:endParaRPr>
-          </a:p>
-        </p:txBody>
-      </p:sp>
-      <p:sp>
-        <p:nvSpPr>
-          <p:cNvPr id="253" name="Google Shape;253;p6"/>
-          <p:cNvSpPr>
-            <a:spLocks noGrp="1"/>
-          </p:cNvSpPr>
-          <p:nvPr>
-            <p:ph type="pic" idx="2"/>
-          </p:nvPr>
-        </p:nvSpPr>
-        <p:spPr>
-          <a:xfrm>
-            <a:off x="6734628" y="1948079"/>
-            <a:ext cx="4836881" cy="3982547"/>
-          </a:xfrm>
-          <a:prstGeom prst="rect">
-            <a:avLst/>
-          </a:prstGeom>
-          <a:noFill/>
-          <a:ln>
-            <a:noFill/>
-          </a:ln>
-        </p:spPr>
-        <p:txBody>
-          <a:bodyPr spcFirstLastPara="1" wrap="square" lIns="91425" tIns="45700" rIns="91425" bIns="45700" anchor="t" anchorCtr="0">
-            <a:noAutofit/>
-          </a:bodyPr>
-          <a:lstStyle/>
-          <a:p>
-            <a:pPr marL="0" lvl="0" indent="0" algn="l" rtl="0">
-              <a:spcBef>
-                <a:spcPts val="1000"/>
-              </a:spcBef>
-              <a:spcAft>
-                <a:spcPts val="0"/>
-              </a:spcAft>
-              <a:buNone/>
-            </a:pPr>
-            <a:endParaRPr/>
-          </a:p>
-        </p:txBody>
-      </p:sp>
-      <p:sp>
-        <p:nvSpPr>
-          <p:cNvPr id="254" name="Google Shape;254;p6"/>
-          <p:cNvSpPr txBox="1">
-            <a:spLocks noGrp="1"/>
-          </p:cNvSpPr>
-          <p:nvPr>
-            <p:ph type="body" idx="1"/>
-          </p:nvPr>
-        </p:nvSpPr>
-        <p:spPr>
-          <a:xfrm>
-            <a:off x="620489" y="3981796"/>
-            <a:ext cx="5703916" cy="1948829"/>
-          </a:xfrm>
-          <a:prstGeom prst="rect">
-            <a:avLst/>
-          </a:prstGeom>
-          <a:noFill/>
-          <a:ln>
-            <a:noFill/>
-          </a:ln>
-        </p:spPr>
-        <p:txBody>
-          <a:bodyPr spcFirstLastPara="1" wrap="square" lIns="91425" tIns="45700" rIns="91425" bIns="45700" anchor="t" anchorCtr="0">
-            <a:noAutofit/>
-          </a:bodyPr>
-          <a:lstStyle/>
-          <a:p>
-            <a:pPr marL="228600" lvl="0" indent="-114300" algn="l" rtl="0">
-              <a:lnSpc>
-                <a:spcPct val="90000"/>
-              </a:lnSpc>
-              <a:spcBef>
-                <a:spcPts val="0"/>
-              </a:spcBef>
-              <a:spcAft>
-                <a:spcPts val="0"/>
-              </a:spcAft>
-              <a:buClr>
-                <a:srgbClr val="80BC00"/>
-              </a:buClr>
-              <a:buSzPts val="1800"/>
-              <a:buFont typeface="Noto Sans Symbols"/>
-              <a:buNone/>
-            </a:pPr>
-            <a:endParaRPr>
-              <a:latin typeface="Calibri"/>
-              <a:ea typeface="Calibri"/>
-              <a:cs typeface="Calibri"/>
-              <a:sym typeface="Calibri"/>
-            </a:endParaRPr>
-          </a:p>
-        </p:txBody>
-      </p:sp>
-      <p:sp>
-        <p:nvSpPr>
-          <p:cNvPr id="255" name="Google Shape;255;p6"/>
-          <p:cNvSpPr txBox="1">
-            <a:spLocks noGrp="1"/>
-          </p:cNvSpPr>
-          <p:nvPr>
-            <p:ph type="body" idx="3"/>
-          </p:nvPr>
-        </p:nvSpPr>
-        <p:spPr>
-          <a:xfrm>
-            <a:off x="620490" y="2602640"/>
-            <a:ext cx="5703888" cy="1085850"/>
-          </a:xfrm>
-          <a:prstGeom prst="rect">
-            <a:avLst/>
-          </a:prstGeom>
-          <a:noFill/>
-          <a:ln>
-            <a:noFill/>
-          </a:ln>
-        </p:spPr>
-        <p:txBody>
-          <a:bodyPr spcFirstLastPara="1" wrap="square" lIns="91425" tIns="45700" rIns="91425" bIns="45700" anchor="t" anchorCtr="0">
-            <a:normAutofit/>
-          </a:bodyPr>
-          <a:lstStyle/>
-          <a:p>
-            <a:pPr marL="0" marR="0" lvl="0" indent="0" algn="l" rtl="0">
-              <a:lnSpc>
-                <a:spcPct val="90000"/>
-              </a:lnSpc>
-              <a:spcBef>
-                <a:spcPts val="0"/>
-              </a:spcBef>
-              <a:spcAft>
-                <a:spcPts val="0"/>
-              </a:spcAft>
-              <a:buClr>
-                <a:schemeClr val="dk1"/>
-              </a:buClr>
-              <a:buSzPts val="1800"/>
-              <a:buFont typeface="Arial"/>
-              <a:buNone/>
-            </a:pPr>
-            <a:endParaRPr>
-              <a:latin typeface="Calibri"/>
-              <a:ea typeface="Calibri"/>
-              <a:cs typeface="Calibri"/>
-              <a:sym typeface="Calibri"/>
-            </a:endParaRPr>
-          </a:p>
-        </p:txBody>
-      </p:sp>
-      <p:sp>
-        <p:nvSpPr>
-          <p:cNvPr id="256" name="Google Shape;256;p6"/>
-          <p:cNvSpPr txBox="1">
-            <a:spLocks noGrp="1"/>
-          </p:cNvSpPr>
-          <p:nvPr>
-            <p:ph type="body" idx="4"/>
-          </p:nvPr>
-        </p:nvSpPr>
-        <p:spPr>
-          <a:xfrm>
-            <a:off x="620490" y="1379425"/>
-            <a:ext cx="5703888" cy="1085850"/>
-          </a:xfrm>
-          <a:prstGeom prst="rect">
-            <a:avLst/>
-          </a:prstGeom>
-          <a:noFill/>
-          <a:ln>
-            <a:noFill/>
-          </a:ln>
-        </p:spPr>
-        <p:txBody>
-          <a:bodyPr spcFirstLastPara="1" wrap="square" lIns="91425" tIns="45700" rIns="91425" bIns="45700" anchor="t" anchorCtr="0">
-            <a:normAutofit/>
-          </a:bodyPr>
-          <a:lstStyle/>
-          <a:p>
-            <a:pPr marL="0" marR="0" lvl="0" indent="0" algn="l" rtl="0">
-              <a:lnSpc>
-                <a:spcPct val="90000"/>
-              </a:lnSpc>
-              <a:spcBef>
-                <a:spcPts val="0"/>
-              </a:spcBef>
-              <a:spcAft>
-                <a:spcPts val="0"/>
-              </a:spcAft>
-              <a:buClr>
-                <a:srgbClr val="80BC00"/>
-              </a:buClr>
-              <a:buSzPts val="2000"/>
-              <a:buFont typeface="Arial"/>
-              <a:buNone/>
-            </a:pPr>
-            <a:endParaRPr>
-              <a:latin typeface="Calibri"/>
-              <a:ea typeface="Calibri"/>
-              <a:cs typeface="Calibri"/>
-              <a:sym typeface="Calibri"/>
-            </a:endParaRPr>
-          </a:p>
-        </p:txBody>
-      </p:sp>
-      <p:sp>
-        <p:nvSpPr>
-          <p:cNvPr id="257" name="Google Shape;257;p6"/>
-          <p:cNvSpPr txBox="1">
-            <a:spLocks noGrp="1"/>
-          </p:cNvSpPr>
-          <p:nvPr>
-            <p:ph type="sldNum" idx="12"/>
-          </p:nvPr>
-        </p:nvSpPr>
-        <p:spPr>
-          <a:xfrm>
-            <a:off x="10668000" y="6356350"/>
-            <a:ext cx="685800" cy="365125"/>
-          </a:xfrm>
-          <a:prstGeom prst="rect">
-            <a:avLst/>
-          </a:prstGeom>
-          <a:noFill/>
-          <a:ln>
-            <a:noFill/>
-          </a:ln>
-        </p:spPr>
-        <p:txBody>
-          <a:bodyPr spcFirstLastPara="1" wrap="square" lIns="91425" tIns="45700" rIns="91425" bIns="45700" anchor="ctr" anchorCtr="0">
-            <a:noAutofit/>
-          </a:bodyPr>
-          <a:lstStyle/>
-          <a:p>
-            <a:pPr marL="0" lvl="0" indent="0" algn="r" rtl="0">
-              <a:spcBef>
-                <a:spcPts val="0"/>
-              </a:spcBef>
-              <a:spcAft>
-                <a:spcPts val="0"/>
-              </a:spcAft>
-              <a:buNone/>
-            </a:pPr>
-            <a:endParaRPr/>
-          </a:p>
-        </p:txBody>
-      </p:sp>
-    </p:spTree>
-  </p:cSld>
-  <p:clrMapOvr>
-    <a:masterClrMapping/>
-  </p:clrMapOvr>
-</p:sld>
-</file>
-
-<file path=ppt/slides/slide9.xml><?xml version="1.0" encoding="utf-8"?>
-<p:sld xmlns:a="http://schemas.openxmlformats.org/drawingml/2006/main" xmlns:r="http://schemas.openxmlformats.org/officeDocument/2006/relationships" xmlns:p="http://schemas.openxmlformats.org/presentationml/2006/main">
-  <p:cSld>
-    <p:spTree>
-      <p:nvGrpSpPr>
-        <p:cNvPr id="1" name="Shape 261"/>
-        <p:cNvGrpSpPr/>
-        <p:nvPr/>
-      </p:nvGrpSpPr>
-      <p:grpSpPr>
-        <a:xfrm>
-          <a:off x="0" y="0"/>
-          <a:ext cx="0" cy="0"/>
-          <a:chOff x="0" y="0"/>
-          <a:chExt cx="0" cy="0"/>
-        </a:xfrm>
-      </p:grpSpPr>
-      <p:sp>
-        <p:nvSpPr>
-          <p:cNvPr id="262" name="Google Shape;262;p7"/>
-          <p:cNvSpPr txBox="1">
-            <a:spLocks noGrp="1"/>
-          </p:cNvSpPr>
-          <p:nvPr>
-            <p:ph type="ctrTitle"/>
-          </p:nvPr>
-        </p:nvSpPr>
-        <p:spPr>
-          <a:xfrm>
-            <a:off x="620489" y="628956"/>
-            <a:ext cx="7948354" cy="589424"/>
-          </a:xfrm>
-          <a:prstGeom prst="rect">
-            <a:avLst/>
-          </a:prstGeom>
-          <a:noFill/>
-          <a:ln>
-            <a:noFill/>
-          </a:ln>
-        </p:spPr>
-        <p:txBody>
-          <a:bodyPr spcFirstLastPara="1" wrap="square" lIns="91425" tIns="45700" rIns="91425" bIns="45700" anchor="t" anchorCtr="0">
-            <a:normAutofit/>
-          </a:bodyPr>
-          <a:lstStyle/>
-          <a:p>
-            <a:pPr marL="0" lvl="0" indent="0" algn="l" rtl="0">
-              <a:lnSpc>
-                <a:spcPct val="90000"/>
-              </a:lnSpc>
-              <a:spcBef>
-                <a:spcPts val="0"/>
-              </a:spcBef>
-              <a:spcAft>
-                <a:spcPts val="0"/>
-              </a:spcAft>
-              <a:buClr>
-                <a:srgbClr val="80BC00"/>
-              </a:buClr>
-              <a:buSzPts val="3600"/>
-              <a:buFont typeface="Calibri"/>
-              <a:buNone/>
-            </a:pPr>
-            <a:endParaRPr b="1">
-              <a:solidFill>
-                <a:srgbClr val="80BC00"/>
-              </a:solidFill>
-              <a:latin typeface="Calibri"/>
-              <a:ea typeface="Calibri"/>
-              <a:cs typeface="Calibri"/>
-              <a:sym typeface="Calibri"/>
-            </a:endParaRPr>
-          </a:p>
-        </p:txBody>
-      </p:sp>
-      <p:sp>
-        <p:nvSpPr>
-          <p:cNvPr id="263" name="Google Shape;263;p7"/>
-          <p:cNvSpPr>
-            <a:spLocks noGrp="1"/>
-          </p:cNvSpPr>
-          <p:nvPr>
-            <p:ph type="pic" idx="2"/>
-          </p:nvPr>
-        </p:nvSpPr>
-        <p:spPr>
-          <a:xfrm>
-            <a:off x="6734628" y="1948079"/>
-            <a:ext cx="4836881" cy="3982547"/>
-          </a:xfrm>
-          <a:prstGeom prst="rect">
-            <a:avLst/>
-          </a:prstGeom>
-          <a:noFill/>
-          <a:ln>
-            <a:noFill/>
-          </a:ln>
-        </p:spPr>
-        <p:txBody>
-          <a:bodyPr spcFirstLastPara="1" wrap="square" lIns="91425" tIns="45700" rIns="91425" bIns="45700" anchor="t" anchorCtr="0">
-            <a:noAutofit/>
-          </a:bodyPr>
-          <a:lstStyle/>
-          <a:p>
-            <a:pPr marL="0" lvl="0" indent="0" algn="l" rtl="0">
-              <a:spcBef>
-                <a:spcPts val="1000"/>
-              </a:spcBef>
-              <a:spcAft>
-                <a:spcPts val="0"/>
-              </a:spcAft>
-              <a:buNone/>
-            </a:pPr>
-            <a:endParaRPr/>
-          </a:p>
-        </p:txBody>
-      </p:sp>
-      <p:sp>
-        <p:nvSpPr>
-          <p:cNvPr id="264" name="Google Shape;264;p7"/>
-          <p:cNvSpPr txBox="1">
-            <a:spLocks noGrp="1"/>
-          </p:cNvSpPr>
-          <p:nvPr>
-            <p:ph type="body" idx="1"/>
-          </p:nvPr>
-        </p:nvSpPr>
-        <p:spPr>
-          <a:xfrm>
-            <a:off x="620489" y="3981796"/>
-            <a:ext cx="5703916" cy="1948829"/>
-          </a:xfrm>
-          <a:prstGeom prst="rect">
-            <a:avLst/>
-          </a:prstGeom>
-          <a:noFill/>
-          <a:ln>
-            <a:noFill/>
-          </a:ln>
-        </p:spPr>
-        <p:txBody>
-          <a:bodyPr spcFirstLastPara="1" wrap="square" lIns="91425" tIns="45700" rIns="91425" bIns="45700" anchor="t" anchorCtr="0">
-            <a:noAutofit/>
-          </a:bodyPr>
-          <a:lstStyle/>
-          <a:p>
-            <a:pPr marL="228600" lvl="0" indent="-114300" algn="l" rtl="0">
-              <a:lnSpc>
-                <a:spcPct val="90000"/>
-              </a:lnSpc>
-              <a:spcBef>
-                <a:spcPts val="0"/>
-              </a:spcBef>
-              <a:spcAft>
-                <a:spcPts val="0"/>
-              </a:spcAft>
-              <a:buClr>
-                <a:srgbClr val="80BC00"/>
-              </a:buClr>
-              <a:buSzPts val="1800"/>
-              <a:buNone/>
-            </a:pPr>
-            <a:endParaRPr>
-              <a:latin typeface="Calibri"/>
-              <a:ea typeface="Calibri"/>
-              <a:cs typeface="Calibri"/>
-              <a:sym typeface="Calibri"/>
-            </a:endParaRPr>
-          </a:p>
-        </p:txBody>
-      </p:sp>
-      <p:sp>
-        <p:nvSpPr>
-          <p:cNvPr id="265" name="Google Shape;265;p7"/>
-          <p:cNvSpPr txBox="1">
-            <a:spLocks noGrp="1"/>
-          </p:cNvSpPr>
-          <p:nvPr>
-            <p:ph type="body" idx="3"/>
-          </p:nvPr>
-        </p:nvSpPr>
-        <p:spPr>
-          <a:xfrm>
-            <a:off x="620490" y="2602640"/>
-            <a:ext cx="5703888" cy="1085850"/>
-          </a:xfrm>
-          <a:prstGeom prst="rect">
-            <a:avLst/>
-          </a:prstGeom>
-          <a:noFill/>
-          <a:ln>
-            <a:noFill/>
-          </a:ln>
-        </p:spPr>
-        <p:txBody>
-          <a:bodyPr spcFirstLastPara="1" wrap="square" lIns="91425" tIns="45700" rIns="91425" bIns="45700" anchor="t" anchorCtr="0">
-            <a:normAutofit/>
-          </a:bodyPr>
-          <a:lstStyle/>
-          <a:p>
-            <a:pPr marL="0" marR="0" lvl="0" indent="0" algn="l" rtl="0">
-              <a:lnSpc>
-                <a:spcPct val="90000"/>
-              </a:lnSpc>
-              <a:spcBef>
-                <a:spcPts val="0"/>
-              </a:spcBef>
-              <a:spcAft>
-                <a:spcPts val="0"/>
-              </a:spcAft>
-              <a:buClr>
-                <a:schemeClr val="dk1"/>
-              </a:buClr>
-              <a:buSzPts val="1800"/>
-              <a:buFont typeface="Arial"/>
-              <a:buNone/>
-            </a:pPr>
-            <a:endParaRPr>
-              <a:latin typeface="Calibri"/>
-              <a:ea typeface="Calibri"/>
-              <a:cs typeface="Calibri"/>
-              <a:sym typeface="Calibri"/>
-            </a:endParaRPr>
-          </a:p>
-        </p:txBody>
-      </p:sp>
-      <p:sp>
-        <p:nvSpPr>
-          <p:cNvPr id="266" name="Google Shape;266;p7"/>
-          <p:cNvSpPr txBox="1">
-            <a:spLocks noGrp="1"/>
-          </p:cNvSpPr>
-          <p:nvPr>
-            <p:ph type="body" idx="4"/>
-          </p:nvPr>
-        </p:nvSpPr>
-        <p:spPr>
-          <a:xfrm>
-            <a:off x="620490" y="1379425"/>
-            <a:ext cx="5703888" cy="1085850"/>
-          </a:xfrm>
-          <a:prstGeom prst="rect">
-            <a:avLst/>
-          </a:prstGeom>
-          <a:noFill/>
-          <a:ln>
-            <a:noFill/>
-          </a:ln>
-        </p:spPr>
-        <p:txBody>
-          <a:bodyPr spcFirstLastPara="1" wrap="square" lIns="91425" tIns="45700" rIns="91425" bIns="45700" anchor="t" anchorCtr="0">
-            <a:normAutofit/>
-          </a:bodyPr>
-          <a:lstStyle/>
-          <a:p>
-            <a:pPr marL="0" marR="0" lvl="0" indent="0" algn="l" rtl="0">
-              <a:lnSpc>
-                <a:spcPct val="90000"/>
-              </a:lnSpc>
-              <a:spcBef>
-                <a:spcPts val="0"/>
-              </a:spcBef>
-              <a:spcAft>
-                <a:spcPts val="0"/>
-              </a:spcAft>
-              <a:buClr>
-                <a:srgbClr val="80BC00"/>
-              </a:buClr>
-              <a:buSzPts val="2000"/>
-              <a:buFont typeface="Arial"/>
-              <a:buNone/>
-            </a:pPr>
-            <a:endParaRPr>
-              <a:solidFill>
-                <a:srgbClr val="80BC00"/>
-              </a:solidFill>
-              <a:latin typeface="Calibri"/>
-              <a:ea typeface="Calibri"/>
-              <a:cs typeface="Calibri"/>
-              <a:sym typeface="Calibri"/>
-            </a:endParaRPr>
-          </a:p>
-        </p:txBody>
-      </p:sp>
-      <p:sp>
-        <p:nvSpPr>
-          <p:cNvPr id="267" name="Google Shape;267;p7"/>
           <p:cNvSpPr txBox="1">
             <a:spLocks noGrp="1"/>
           </p:cNvSpPr>
